--- a/presentations/archive/Engineering III.pptx
+++ b/presentations/archive/Engineering III.pptx
@@ -4,12 +4,24 @@
   <p:sldMasterIdLst>
     <p:sldMasterId id="2147483648" r:id="rId1"/>
   </p:sldMasterIdLst>
+  <p:notesMasterIdLst>
+    <p:notesMasterId r:id="rId16"/>
+  </p:notesMasterIdLst>
   <p:sldIdLst>
     <p:sldId id="256" r:id="rId2"/>
     <p:sldId id="257" r:id="rId3"/>
     <p:sldId id="260" r:id="rId4"/>
     <p:sldId id="258" r:id="rId5"/>
     <p:sldId id="259" r:id="rId6"/>
+    <p:sldId id="261" r:id="rId7"/>
+    <p:sldId id="263" r:id="rId8"/>
+    <p:sldId id="264" r:id="rId9"/>
+    <p:sldId id="262" r:id="rId10"/>
+    <p:sldId id="266" r:id="rId11"/>
+    <p:sldId id="267" r:id="rId12"/>
+    <p:sldId id="265" r:id="rId13"/>
+    <p:sldId id="268" r:id="rId14"/>
+    <p:sldId id="269" r:id="rId15"/>
   </p:sldIdLst>
   <p:sldSz cx="12192000" cy="6858000"/>
   <p:notesSz cx="6858000" cy="9144000"/>
@@ -108,7 +120,770 @@
       </a:defRPr>
     </a:lvl9pPr>
   </p:defaultTextStyle>
+  <p:extLst>
+    <p:ext uri="{EFAFB233-063F-42B5-8137-9DF3F51BA10A}">
+      <p15:sldGuideLst xmlns:p15="http://schemas.microsoft.com/office/powerpoint/2012/main"/>
+    </p:ext>
+  </p:extLst>
 </p:presentation>
+</file>
+
+<file path=ppt/notesMasters/notesMaster1.xml><?xml version="1.0" encoding="utf-8"?>
+<p:notesMaster xmlns:a="http://schemas.openxmlformats.org/drawingml/2006/main" xmlns:r="http://schemas.openxmlformats.org/officeDocument/2006/relationships" xmlns:p="http://schemas.openxmlformats.org/presentationml/2006/main">
+  <p:cSld>
+    <p:bg>
+      <p:bgRef idx="1001">
+        <a:schemeClr val="bg1"/>
+      </p:bgRef>
+    </p:bg>
+    <p:spTree>
+      <p:nvGrpSpPr>
+        <p:cNvPr id="1" name=""/>
+        <p:cNvGrpSpPr/>
+        <p:nvPr/>
+      </p:nvGrpSpPr>
+      <p:grpSpPr>
+        <a:xfrm>
+          <a:off x="0" y="0"/>
+          <a:ext cx="0" cy="0"/>
+          <a:chOff x="0" y="0"/>
+          <a:chExt cx="0" cy="0"/>
+        </a:xfrm>
+      </p:grpSpPr>
+      <p:sp>
+        <p:nvSpPr>
+          <p:cNvPr id="2" name="Header Placeholder 1"/>
+          <p:cNvSpPr>
+            <a:spLocks noGrp="1"/>
+          </p:cNvSpPr>
+          <p:nvPr>
+            <p:ph type="hdr" sz="quarter"/>
+          </p:nvPr>
+        </p:nvSpPr>
+        <p:spPr>
+          <a:xfrm>
+            <a:off x="0" y="0"/>
+            <a:ext cx="2971800" cy="458788"/>
+          </a:xfrm>
+          <a:prstGeom prst="rect">
+            <a:avLst/>
+          </a:prstGeom>
+        </p:spPr>
+        <p:txBody>
+          <a:bodyPr vert="horz" lIns="91440" tIns="45720" rIns="91440" bIns="45720" rtlCol="0"/>
+          <a:lstStyle>
+            <a:lvl1pPr algn="l">
+              <a:defRPr sz="1200"/>
+            </a:lvl1pPr>
+          </a:lstStyle>
+          <a:p>
+            <a:endParaRPr lang="en-US"/>
+          </a:p>
+        </p:txBody>
+      </p:sp>
+      <p:sp>
+        <p:nvSpPr>
+          <p:cNvPr id="3" name="Date Placeholder 2"/>
+          <p:cNvSpPr>
+            <a:spLocks noGrp="1"/>
+          </p:cNvSpPr>
+          <p:nvPr>
+            <p:ph type="dt" idx="1"/>
+          </p:nvPr>
+        </p:nvSpPr>
+        <p:spPr>
+          <a:xfrm>
+            <a:off x="3884613" y="0"/>
+            <a:ext cx="2971800" cy="458788"/>
+          </a:xfrm>
+          <a:prstGeom prst="rect">
+            <a:avLst/>
+          </a:prstGeom>
+        </p:spPr>
+        <p:txBody>
+          <a:bodyPr vert="horz" lIns="91440" tIns="45720" rIns="91440" bIns="45720" rtlCol="0"/>
+          <a:lstStyle>
+            <a:lvl1pPr algn="r">
+              <a:defRPr sz="1200"/>
+            </a:lvl1pPr>
+          </a:lstStyle>
+          <a:p>
+            <a:fld id="{E7F97D24-4BC1-224C-82E1-D344B6EBAC42}" type="datetimeFigureOut">
+              <a:rPr lang="en-US" smtClean="0"/>
+              <a:t>1/17/18</a:t>
+            </a:fld>
+            <a:endParaRPr lang="en-US"/>
+          </a:p>
+        </p:txBody>
+      </p:sp>
+      <p:sp>
+        <p:nvSpPr>
+          <p:cNvPr id="4" name="Slide Image Placeholder 3"/>
+          <p:cNvSpPr>
+            <a:spLocks noGrp="1" noRot="1" noChangeAspect="1"/>
+          </p:cNvSpPr>
+          <p:nvPr>
+            <p:ph type="sldImg" idx="2"/>
+          </p:nvPr>
+        </p:nvSpPr>
+        <p:spPr>
+          <a:xfrm>
+            <a:off x="685800" y="1143000"/>
+            <a:ext cx="5486400" cy="3086100"/>
+          </a:xfrm>
+          <a:prstGeom prst="rect">
+            <a:avLst/>
+          </a:prstGeom>
+          <a:noFill/>
+          <a:ln w="12700">
+            <a:solidFill>
+              <a:prstClr val="black"/>
+            </a:solidFill>
+          </a:ln>
+        </p:spPr>
+        <p:txBody>
+          <a:bodyPr vert="horz" lIns="91440" tIns="45720" rIns="91440" bIns="45720" rtlCol="0" anchor="ctr"/>
+          <a:lstStyle/>
+          <a:p>
+            <a:endParaRPr lang="en-US"/>
+          </a:p>
+        </p:txBody>
+      </p:sp>
+      <p:sp>
+        <p:nvSpPr>
+          <p:cNvPr id="5" name="Notes Placeholder 4"/>
+          <p:cNvSpPr>
+            <a:spLocks noGrp="1"/>
+          </p:cNvSpPr>
+          <p:nvPr>
+            <p:ph type="body" sz="quarter" idx="3"/>
+          </p:nvPr>
+        </p:nvSpPr>
+        <p:spPr>
+          <a:xfrm>
+            <a:off x="685800" y="4400550"/>
+            <a:ext cx="5486400" cy="3600450"/>
+          </a:xfrm>
+          <a:prstGeom prst="rect">
+            <a:avLst/>
+          </a:prstGeom>
+        </p:spPr>
+        <p:txBody>
+          <a:bodyPr vert="horz" lIns="91440" tIns="45720" rIns="91440" bIns="45720" rtlCol="0"/>
+          <a:lstStyle/>
+          <a:p>
+            <a:pPr lvl="0"/>
+            <a:r>
+              <a:rPr lang="en-US" smtClean="0"/>
+              <a:t>Click to edit Master text styles</a:t>
+            </a:r>
+          </a:p>
+          <a:p>
+            <a:pPr lvl="1"/>
+            <a:r>
+              <a:rPr lang="en-US" smtClean="0"/>
+              <a:t>Second level</a:t>
+            </a:r>
+          </a:p>
+          <a:p>
+            <a:pPr lvl="2"/>
+            <a:r>
+              <a:rPr lang="en-US" smtClean="0"/>
+              <a:t>Third level</a:t>
+            </a:r>
+          </a:p>
+          <a:p>
+            <a:pPr lvl="3"/>
+            <a:r>
+              <a:rPr lang="en-US" smtClean="0"/>
+              <a:t>Fourth level</a:t>
+            </a:r>
+          </a:p>
+          <a:p>
+            <a:pPr lvl="4"/>
+            <a:r>
+              <a:rPr lang="en-US" smtClean="0"/>
+              <a:t>Fifth level</a:t>
+            </a:r>
+            <a:endParaRPr lang="en-US"/>
+          </a:p>
+        </p:txBody>
+      </p:sp>
+      <p:sp>
+        <p:nvSpPr>
+          <p:cNvPr id="6" name="Footer Placeholder 5"/>
+          <p:cNvSpPr>
+            <a:spLocks noGrp="1"/>
+          </p:cNvSpPr>
+          <p:nvPr>
+            <p:ph type="ftr" sz="quarter" idx="4"/>
+          </p:nvPr>
+        </p:nvSpPr>
+        <p:spPr>
+          <a:xfrm>
+            <a:off x="0" y="8685213"/>
+            <a:ext cx="2971800" cy="458787"/>
+          </a:xfrm>
+          <a:prstGeom prst="rect">
+            <a:avLst/>
+          </a:prstGeom>
+        </p:spPr>
+        <p:txBody>
+          <a:bodyPr vert="horz" lIns="91440" tIns="45720" rIns="91440" bIns="45720" rtlCol="0" anchor="b"/>
+          <a:lstStyle>
+            <a:lvl1pPr algn="l">
+              <a:defRPr sz="1200"/>
+            </a:lvl1pPr>
+          </a:lstStyle>
+          <a:p>
+            <a:endParaRPr lang="en-US"/>
+          </a:p>
+        </p:txBody>
+      </p:sp>
+      <p:sp>
+        <p:nvSpPr>
+          <p:cNvPr id="7" name="Slide Number Placeholder 6"/>
+          <p:cNvSpPr>
+            <a:spLocks noGrp="1"/>
+          </p:cNvSpPr>
+          <p:nvPr>
+            <p:ph type="sldNum" sz="quarter" idx="5"/>
+          </p:nvPr>
+        </p:nvSpPr>
+        <p:spPr>
+          <a:xfrm>
+            <a:off x="3884613" y="8685213"/>
+            <a:ext cx="2971800" cy="458787"/>
+          </a:xfrm>
+          <a:prstGeom prst="rect">
+            <a:avLst/>
+          </a:prstGeom>
+        </p:spPr>
+        <p:txBody>
+          <a:bodyPr vert="horz" lIns="91440" tIns="45720" rIns="91440" bIns="45720" rtlCol="0" anchor="b"/>
+          <a:lstStyle>
+            <a:lvl1pPr algn="r">
+              <a:defRPr sz="1200"/>
+            </a:lvl1pPr>
+          </a:lstStyle>
+          <a:p>
+            <a:fld id="{6B0834F8-596C-BF4B-857D-A2AE97FB4C10}" type="slidenum">
+              <a:rPr lang="en-US" smtClean="0"/>
+              <a:t>‹#›</a:t>
+            </a:fld>
+            <a:endParaRPr lang="en-US"/>
+          </a:p>
+        </p:txBody>
+      </p:sp>
+    </p:spTree>
+    <p:extLst>
+      <p:ext uri="{BB962C8B-B14F-4D97-AF65-F5344CB8AC3E}">
+        <p14:creationId xmlns:p14="http://schemas.microsoft.com/office/powerpoint/2010/main" val="781429765"/>
+      </p:ext>
+    </p:extLst>
+  </p:cSld>
+  <p:clrMap bg1="lt1" tx1="dk1" bg2="lt2" tx2="dk2" accent1="accent1" accent2="accent2" accent3="accent3" accent4="accent4" accent5="accent5" accent6="accent6" hlink="hlink" folHlink="folHlink"/>
+  <p:notesStyle>
+    <a:lvl1pPr marL="0" algn="l" defTabSz="914400" rtl="0" eaLnBrk="1" latinLnBrk="0" hangingPunct="1">
+      <a:defRPr sz="1200" kern="1200">
+        <a:solidFill>
+          <a:schemeClr val="tx1"/>
+        </a:solidFill>
+        <a:latin typeface="+mn-lt"/>
+        <a:ea typeface="+mn-ea"/>
+        <a:cs typeface="+mn-cs"/>
+      </a:defRPr>
+    </a:lvl1pPr>
+    <a:lvl2pPr marL="457200" algn="l" defTabSz="914400" rtl="0" eaLnBrk="1" latinLnBrk="0" hangingPunct="1">
+      <a:defRPr sz="1200" kern="1200">
+        <a:solidFill>
+          <a:schemeClr val="tx1"/>
+        </a:solidFill>
+        <a:latin typeface="+mn-lt"/>
+        <a:ea typeface="+mn-ea"/>
+        <a:cs typeface="+mn-cs"/>
+      </a:defRPr>
+    </a:lvl2pPr>
+    <a:lvl3pPr marL="914400" algn="l" defTabSz="914400" rtl="0" eaLnBrk="1" latinLnBrk="0" hangingPunct="1">
+      <a:defRPr sz="1200" kern="1200">
+        <a:solidFill>
+          <a:schemeClr val="tx1"/>
+        </a:solidFill>
+        <a:latin typeface="+mn-lt"/>
+        <a:ea typeface="+mn-ea"/>
+        <a:cs typeface="+mn-cs"/>
+      </a:defRPr>
+    </a:lvl3pPr>
+    <a:lvl4pPr marL="1371600" algn="l" defTabSz="914400" rtl="0" eaLnBrk="1" latinLnBrk="0" hangingPunct="1">
+      <a:defRPr sz="1200" kern="1200">
+        <a:solidFill>
+          <a:schemeClr val="tx1"/>
+        </a:solidFill>
+        <a:latin typeface="+mn-lt"/>
+        <a:ea typeface="+mn-ea"/>
+        <a:cs typeface="+mn-cs"/>
+      </a:defRPr>
+    </a:lvl4pPr>
+    <a:lvl5pPr marL="1828800" algn="l" defTabSz="914400" rtl="0" eaLnBrk="1" latinLnBrk="0" hangingPunct="1">
+      <a:defRPr sz="1200" kern="1200">
+        <a:solidFill>
+          <a:schemeClr val="tx1"/>
+        </a:solidFill>
+        <a:latin typeface="+mn-lt"/>
+        <a:ea typeface="+mn-ea"/>
+        <a:cs typeface="+mn-cs"/>
+      </a:defRPr>
+    </a:lvl5pPr>
+    <a:lvl6pPr marL="2286000" algn="l" defTabSz="914400" rtl="0" eaLnBrk="1" latinLnBrk="0" hangingPunct="1">
+      <a:defRPr sz="1200" kern="1200">
+        <a:solidFill>
+          <a:schemeClr val="tx1"/>
+        </a:solidFill>
+        <a:latin typeface="+mn-lt"/>
+        <a:ea typeface="+mn-ea"/>
+        <a:cs typeface="+mn-cs"/>
+      </a:defRPr>
+    </a:lvl6pPr>
+    <a:lvl7pPr marL="2743200" algn="l" defTabSz="914400" rtl="0" eaLnBrk="1" latinLnBrk="0" hangingPunct="1">
+      <a:defRPr sz="1200" kern="1200">
+        <a:solidFill>
+          <a:schemeClr val="tx1"/>
+        </a:solidFill>
+        <a:latin typeface="+mn-lt"/>
+        <a:ea typeface="+mn-ea"/>
+        <a:cs typeface="+mn-cs"/>
+      </a:defRPr>
+    </a:lvl7pPr>
+    <a:lvl8pPr marL="3200400" algn="l" defTabSz="914400" rtl="0" eaLnBrk="1" latinLnBrk="0" hangingPunct="1">
+      <a:defRPr sz="1200" kern="1200">
+        <a:solidFill>
+          <a:schemeClr val="tx1"/>
+        </a:solidFill>
+        <a:latin typeface="+mn-lt"/>
+        <a:ea typeface="+mn-ea"/>
+        <a:cs typeface="+mn-cs"/>
+      </a:defRPr>
+    </a:lvl8pPr>
+    <a:lvl9pPr marL="3657600" algn="l" defTabSz="914400" rtl="0" eaLnBrk="1" latinLnBrk="0" hangingPunct="1">
+      <a:defRPr sz="1200" kern="1200">
+        <a:solidFill>
+          <a:schemeClr val="tx1"/>
+        </a:solidFill>
+        <a:latin typeface="+mn-lt"/>
+        <a:ea typeface="+mn-ea"/>
+        <a:cs typeface="+mn-cs"/>
+      </a:defRPr>
+    </a:lvl9pPr>
+  </p:notesStyle>
+</p:notesMaster>
+</file>
+
+<file path=ppt/notesSlides/notesSlide1.xml><?xml version="1.0" encoding="utf-8"?>
+<p:notes xmlns:a="http://schemas.openxmlformats.org/drawingml/2006/main" xmlns:r="http://schemas.openxmlformats.org/officeDocument/2006/relationships" xmlns:p="http://schemas.openxmlformats.org/presentationml/2006/main">
+  <p:cSld>
+    <p:spTree>
+      <p:nvGrpSpPr>
+        <p:cNvPr id="1" name=""/>
+        <p:cNvGrpSpPr/>
+        <p:nvPr/>
+      </p:nvGrpSpPr>
+      <p:grpSpPr>
+        <a:xfrm>
+          <a:off x="0" y="0"/>
+          <a:ext cx="0" cy="0"/>
+          <a:chOff x="0" y="0"/>
+          <a:chExt cx="0" cy="0"/>
+        </a:xfrm>
+      </p:grpSpPr>
+      <p:sp>
+        <p:nvSpPr>
+          <p:cNvPr id="2" name="Slide Image Placeholder 1"/>
+          <p:cNvSpPr>
+            <a:spLocks noGrp="1" noRot="1" noChangeAspect="1"/>
+          </p:cNvSpPr>
+          <p:nvPr>
+            <p:ph type="sldImg"/>
+          </p:nvPr>
+        </p:nvSpPr>
+        <p:spPr/>
+      </p:sp>
+      <p:sp>
+        <p:nvSpPr>
+          <p:cNvPr id="3" name="Notes Placeholder 2"/>
+          <p:cNvSpPr>
+            <a:spLocks noGrp="1"/>
+          </p:cNvSpPr>
+          <p:nvPr>
+            <p:ph type="body" idx="1"/>
+          </p:nvPr>
+        </p:nvSpPr>
+        <p:spPr/>
+        <p:txBody>
+          <a:bodyPr/>
+          <a:lstStyle/>
+          <a:p>
+            <a:pPr marL="514350" lvl="0" indent="-514350">
+              <a:buFont typeface="+mj-lt"/>
+              <a:buAutoNum type="arabicPeriod"/>
+            </a:pPr>
+            <a:r>
+              <a:rPr lang="en-US" sz="2800" dirty="0" smtClean="0"/>
+              <a:t>Tic Tac Toe - game (Python)</a:t>
+            </a:r>
+          </a:p>
+          <a:p>
+            <a:pPr marL="971550" lvl="1" indent="-514350">
+              <a:buFont typeface="+mj-lt"/>
+              <a:buAutoNum type="arabicPeriod"/>
+            </a:pPr>
+            <a:r>
+              <a:rPr lang="en-US" sz="2800" dirty="0" smtClean="0"/>
+              <a:t>Interactive</a:t>
+            </a:r>
+            <a:r>
+              <a:rPr lang="en-US" sz="2800" baseline="0" dirty="0" smtClean="0"/>
+              <a:t> Python game</a:t>
+            </a:r>
+          </a:p>
+          <a:p>
+            <a:pPr marL="971550" lvl="1" indent="-514350">
+              <a:buFont typeface="+mj-lt"/>
+              <a:buAutoNum type="arabicPeriod"/>
+            </a:pPr>
+            <a:r>
+              <a:rPr lang="en-US" sz="2800" baseline="0" dirty="0" smtClean="0"/>
+              <a:t>2 player</a:t>
+            </a:r>
+          </a:p>
+          <a:p>
+            <a:pPr marL="971550" lvl="1" indent="-514350">
+              <a:buFont typeface="+mj-lt"/>
+              <a:buAutoNum type="arabicPeriod"/>
+            </a:pPr>
+            <a:r>
+              <a:rPr lang="en-US" sz="2800" baseline="0" dirty="0" smtClean="0"/>
+              <a:t>Print out game board</a:t>
+            </a:r>
+            <a:endParaRPr lang="en-US" sz="2800" dirty="0" smtClean="0"/>
+          </a:p>
+          <a:p>
+            <a:pPr marL="514350" lvl="0" indent="-514350">
+              <a:buFont typeface="+mj-lt"/>
+              <a:buAutoNum type="arabicPeriod"/>
+            </a:pPr>
+            <a:r>
+              <a:rPr lang="en-US" sz="2800" dirty="0" smtClean="0"/>
+              <a:t>Tic Tac Toe </a:t>
+            </a:r>
+            <a:r>
+              <a:rPr lang="mr-IN" sz="2800" dirty="0" smtClean="0"/>
+              <a:t>–</a:t>
+            </a:r>
+            <a:r>
+              <a:rPr lang="en-US" sz="2800" dirty="0" smtClean="0"/>
+              <a:t> game + computer player (Python)</a:t>
+            </a:r>
+          </a:p>
+          <a:p>
+            <a:pPr marL="971550" lvl="1" indent="-514350">
+              <a:buFont typeface="+mj-lt"/>
+              <a:buAutoNum type="arabicPeriod"/>
+            </a:pPr>
+            <a:r>
+              <a:rPr lang="en-US" sz="2800" dirty="0" smtClean="0"/>
+              <a:t>Interactive</a:t>
+            </a:r>
+            <a:r>
+              <a:rPr lang="en-US" sz="2800" baseline="0" dirty="0" smtClean="0"/>
+              <a:t> Python game</a:t>
+            </a:r>
+          </a:p>
+          <a:p>
+            <a:pPr marL="971550" lvl="1" indent="-514350">
+              <a:buFont typeface="+mj-lt"/>
+              <a:buAutoNum type="arabicPeriod"/>
+            </a:pPr>
+            <a:r>
+              <a:rPr lang="en-US" sz="2800" baseline="0" dirty="0" smtClean="0"/>
+              <a:t>2 player</a:t>
+            </a:r>
+          </a:p>
+          <a:p>
+            <a:pPr marL="971550" lvl="1" indent="-514350">
+              <a:buFont typeface="+mj-lt"/>
+              <a:buAutoNum type="arabicPeriod"/>
+            </a:pPr>
+            <a:r>
+              <a:rPr lang="en-US" sz="2800" baseline="0" dirty="0" smtClean="0"/>
+              <a:t>Print out game board</a:t>
+            </a:r>
+            <a:endParaRPr lang="en-US" sz="2800" dirty="0" smtClean="0"/>
+          </a:p>
+          <a:p>
+            <a:pPr marL="971550" lvl="1" indent="-514350">
+              <a:buFont typeface="+mj-lt"/>
+              <a:buAutoNum type="arabicPeriod"/>
+            </a:pPr>
+            <a:r>
+              <a:rPr lang="en-US" sz="2800" dirty="0" smtClean="0"/>
+              <a:t>1 Player mode </a:t>
+            </a:r>
+            <a:r>
+              <a:rPr lang="mr-IN" sz="2800" dirty="0" smtClean="0"/>
+              <a:t>–</a:t>
+            </a:r>
+            <a:r>
+              <a:rPr lang="en-US" sz="2800" dirty="0" smtClean="0"/>
+              <a:t> enable an </a:t>
+            </a:r>
+            <a:r>
+              <a:rPr lang="en-US" sz="2800" dirty="0" smtClean="0"/>
+              <a:t>AI</a:t>
+            </a:r>
+            <a:endParaRPr lang="en-US" sz="2800" dirty="0" smtClean="0"/>
+          </a:p>
+          <a:p>
+            <a:pPr marL="514350" lvl="0" indent="-514350">
+              <a:buFont typeface="+mj-lt"/>
+              <a:buAutoNum type="arabicPeriod"/>
+            </a:pPr>
+            <a:r>
+              <a:rPr lang="en-US" sz="2800" dirty="0" smtClean="0"/>
+              <a:t>Spell checker (Python)</a:t>
+            </a:r>
+          </a:p>
+          <a:p>
+            <a:pPr marL="971550" lvl="1" indent="-514350">
+              <a:buFont typeface="+mj-lt"/>
+              <a:buAutoNum type="arabicPeriod"/>
+            </a:pPr>
+            <a:r>
+              <a:rPr lang="en-US" sz="2800" dirty="0" smtClean="0"/>
+              <a:t>Input</a:t>
+            </a:r>
+            <a:r>
+              <a:rPr lang="en-US" sz="2800" baseline="0" dirty="0" smtClean="0"/>
+              <a:t> text</a:t>
+            </a:r>
+          </a:p>
+          <a:p>
+            <a:pPr marL="971550" lvl="1" indent="-514350">
+              <a:buFont typeface="+mj-lt"/>
+              <a:buAutoNum type="arabicPeriod"/>
+            </a:pPr>
+            <a:r>
+              <a:rPr lang="en-US" sz="2800" baseline="0" dirty="0" smtClean="0"/>
+              <a:t>Output non-English words</a:t>
+            </a:r>
+            <a:endParaRPr lang="en-US" sz="2800" dirty="0" smtClean="0"/>
+          </a:p>
+          <a:p>
+            <a:pPr marL="514350" lvl="0" indent="-514350">
+              <a:buFont typeface="+mj-lt"/>
+              <a:buAutoNum type="arabicPeriod"/>
+            </a:pPr>
+            <a:r>
+              <a:rPr lang="en-US" sz="2800" dirty="0" smtClean="0"/>
+              <a:t>Simple password hacker?	</a:t>
+            </a:r>
+          </a:p>
+          <a:p>
+            <a:pPr marL="971550" lvl="1" indent="-514350">
+              <a:buFont typeface="+mj-lt"/>
+              <a:buAutoNum type="arabicPeriod"/>
+            </a:pPr>
+            <a:r>
+              <a:rPr lang="en-US" sz="2800" dirty="0" smtClean="0"/>
+              <a:t>Input</a:t>
+            </a:r>
+            <a:r>
+              <a:rPr lang="en-US" sz="2800" baseline="0" dirty="0" smtClean="0"/>
+              <a:t> password</a:t>
+            </a:r>
+          </a:p>
+          <a:p>
+            <a:pPr marL="514350" lvl="0" indent="-514350">
+              <a:buFont typeface="+mj-lt"/>
+              <a:buAutoNum type="arabicPeriod"/>
+            </a:pPr>
+            <a:r>
+              <a:rPr lang="en-US" sz="2800" baseline="0" dirty="0" smtClean="0"/>
+              <a:t>Anagram maker</a:t>
+            </a:r>
+          </a:p>
+          <a:p>
+            <a:pPr marL="971550" lvl="1" indent="-514350">
+              <a:buFont typeface="+mj-lt"/>
+              <a:buAutoNum type="arabicPeriod"/>
+            </a:pPr>
+            <a:r>
+              <a:rPr lang="en-US" sz="2800" baseline="0" dirty="0" smtClean="0"/>
+              <a:t>Input word</a:t>
+            </a:r>
+          </a:p>
+          <a:p>
+            <a:pPr marL="971550" lvl="1" indent="-514350">
+              <a:buFont typeface="+mj-lt"/>
+              <a:buAutoNum type="arabicPeriod"/>
+            </a:pPr>
+            <a:r>
+              <a:rPr lang="en-US" sz="2800" baseline="0" dirty="0" smtClean="0"/>
+              <a:t>Output all English anagrams of </a:t>
+            </a:r>
+            <a:r>
+              <a:rPr lang="en-US" sz="2800" baseline="0" dirty="0" smtClean="0"/>
+              <a:t>word</a:t>
+            </a:r>
+          </a:p>
+          <a:p>
+            <a:pPr marL="971550" lvl="1" indent="-514350">
+              <a:buFont typeface="+mj-lt"/>
+              <a:buAutoNum type="arabicPeriod"/>
+            </a:pPr>
+            <a:r>
+              <a:rPr lang="en-US" sz="2800" baseline="0" dirty="0" smtClean="0"/>
+              <a:t>Anagram </a:t>
+            </a:r>
+            <a:r>
+              <a:rPr lang="mr-IN" sz="2800" baseline="0" dirty="0" smtClean="0"/>
+              <a:t>–</a:t>
+            </a:r>
+            <a:r>
+              <a:rPr lang="en-US" sz="2800" baseline="0" dirty="0" smtClean="0"/>
+              <a:t> dogs --&gt; gods</a:t>
+            </a:r>
+            <a:endParaRPr lang="en-US" sz="2800" baseline="0" dirty="0" smtClean="0"/>
+          </a:p>
+          <a:p>
+            <a:pPr marL="514350" lvl="0" indent="-514350">
+              <a:buFont typeface="+mj-lt"/>
+              <a:buAutoNum type="arabicPeriod"/>
+            </a:pPr>
+            <a:endParaRPr lang="en-US" sz="2800" dirty="0" smtClean="0"/>
+          </a:p>
+          <a:p>
+            <a:endParaRPr lang="en-US" dirty="0"/>
+          </a:p>
+        </p:txBody>
+      </p:sp>
+      <p:sp>
+        <p:nvSpPr>
+          <p:cNvPr id="4" name="Slide Number Placeholder 3"/>
+          <p:cNvSpPr>
+            <a:spLocks noGrp="1"/>
+          </p:cNvSpPr>
+          <p:nvPr>
+            <p:ph type="sldNum" sz="quarter" idx="10"/>
+          </p:nvPr>
+        </p:nvSpPr>
+        <p:spPr/>
+        <p:txBody>
+          <a:bodyPr/>
+          <a:lstStyle/>
+          <a:p>
+            <a:fld id="{6B0834F8-596C-BF4B-857D-A2AE97FB4C10}" type="slidenum">
+              <a:rPr lang="en-US" smtClean="0"/>
+              <a:t>4</a:t>
+            </a:fld>
+            <a:endParaRPr lang="en-US"/>
+          </a:p>
+        </p:txBody>
+      </p:sp>
+    </p:spTree>
+    <p:extLst>
+      <p:ext uri="{BB962C8B-B14F-4D97-AF65-F5344CB8AC3E}">
+        <p14:creationId xmlns:p14="http://schemas.microsoft.com/office/powerpoint/2010/main" val="1627558950"/>
+      </p:ext>
+    </p:extLst>
+  </p:cSld>
+  <p:clrMapOvr>
+    <a:masterClrMapping/>
+  </p:clrMapOvr>
+</p:notes>
+</file>
+
+<file path=ppt/notesSlides/notesSlide2.xml><?xml version="1.0" encoding="utf-8"?>
+<p:notes xmlns:a="http://schemas.openxmlformats.org/drawingml/2006/main" xmlns:r="http://schemas.openxmlformats.org/officeDocument/2006/relationships" xmlns:p="http://schemas.openxmlformats.org/presentationml/2006/main">
+  <p:cSld>
+    <p:spTree>
+      <p:nvGrpSpPr>
+        <p:cNvPr id="1" name=""/>
+        <p:cNvGrpSpPr/>
+        <p:nvPr/>
+      </p:nvGrpSpPr>
+      <p:grpSpPr>
+        <a:xfrm>
+          <a:off x="0" y="0"/>
+          <a:ext cx="0" cy="0"/>
+          <a:chOff x="0" y="0"/>
+          <a:chExt cx="0" cy="0"/>
+        </a:xfrm>
+      </p:grpSpPr>
+      <p:sp>
+        <p:nvSpPr>
+          <p:cNvPr id="2" name="Slide Image Placeholder 1"/>
+          <p:cNvSpPr>
+            <a:spLocks noGrp="1" noRot="1" noChangeAspect="1"/>
+          </p:cNvSpPr>
+          <p:nvPr>
+            <p:ph type="sldImg"/>
+          </p:nvPr>
+        </p:nvSpPr>
+        <p:spPr/>
+      </p:sp>
+      <p:sp>
+        <p:nvSpPr>
+          <p:cNvPr id="3" name="Notes Placeholder 2"/>
+          <p:cNvSpPr>
+            <a:spLocks noGrp="1"/>
+          </p:cNvSpPr>
+          <p:nvPr>
+            <p:ph type="body" idx="1"/>
+          </p:nvPr>
+        </p:nvSpPr>
+        <p:spPr/>
+        <p:txBody>
+          <a:bodyPr/>
+          <a:lstStyle/>
+          <a:p>
+            <a:endParaRPr lang="en-US" dirty="0"/>
+          </a:p>
+        </p:txBody>
+      </p:sp>
+      <p:sp>
+        <p:nvSpPr>
+          <p:cNvPr id="4" name="Slide Number Placeholder 3"/>
+          <p:cNvSpPr>
+            <a:spLocks noGrp="1"/>
+          </p:cNvSpPr>
+          <p:nvPr>
+            <p:ph type="sldNum" sz="quarter" idx="10"/>
+          </p:nvPr>
+        </p:nvSpPr>
+        <p:spPr/>
+        <p:txBody>
+          <a:bodyPr/>
+          <a:lstStyle/>
+          <a:p>
+            <a:fld id="{6B0834F8-596C-BF4B-857D-A2AE97FB4C10}" type="slidenum">
+              <a:rPr lang="en-US" smtClean="0"/>
+              <a:t>11</a:t>
+            </a:fld>
+            <a:endParaRPr lang="en-US"/>
+          </a:p>
+        </p:txBody>
+      </p:sp>
+    </p:spTree>
+    <p:extLst>
+      <p:ext uri="{BB962C8B-B14F-4D97-AF65-F5344CB8AC3E}">
+        <p14:creationId xmlns:p14="http://schemas.microsoft.com/office/powerpoint/2010/main" val="276375321"/>
+      </p:ext>
+    </p:extLst>
+  </p:cSld>
+  <p:clrMapOvr>
+    <a:masterClrMapping/>
+  </p:clrMapOvr>
+</p:notes>
 </file>
 
 <file path=ppt/slideLayouts/slideLayout1.xml><?xml version="1.0" encoding="utf-8"?>
@@ -242,7 +1017,7 @@
           <a:p>
             <a:fld id="{DC737DA3-2EDF-F54A-9D11-7E1456C3BA9A}" type="datetimeFigureOut">
               <a:rPr lang="en-US" smtClean="0"/>
-              <a:t>1/15/18</a:t>
+              <a:t>1/17/18</a:t>
             </a:fld>
             <a:endParaRPr lang="en-US"/>
           </a:p>
@@ -412,7 +1187,7 @@
           <a:p>
             <a:fld id="{DC737DA3-2EDF-F54A-9D11-7E1456C3BA9A}" type="datetimeFigureOut">
               <a:rPr lang="en-US" smtClean="0"/>
-              <a:t>1/15/18</a:t>
+              <a:t>1/17/18</a:t>
             </a:fld>
             <a:endParaRPr lang="en-US"/>
           </a:p>
@@ -592,7 +1367,7 @@
           <a:p>
             <a:fld id="{DC737DA3-2EDF-F54A-9D11-7E1456C3BA9A}" type="datetimeFigureOut">
               <a:rPr lang="en-US" smtClean="0"/>
-              <a:t>1/15/18</a:t>
+              <a:t>1/17/18</a:t>
             </a:fld>
             <a:endParaRPr lang="en-US"/>
           </a:p>
@@ -762,7 +1537,7 @@
           <a:p>
             <a:fld id="{DC737DA3-2EDF-F54A-9D11-7E1456C3BA9A}" type="datetimeFigureOut">
               <a:rPr lang="en-US" smtClean="0"/>
-              <a:t>1/15/18</a:t>
+              <a:t>1/17/18</a:t>
             </a:fld>
             <a:endParaRPr lang="en-US"/>
           </a:p>
@@ -1008,7 +1783,7 @@
           <a:p>
             <a:fld id="{DC737DA3-2EDF-F54A-9D11-7E1456C3BA9A}" type="datetimeFigureOut">
               <a:rPr lang="en-US" smtClean="0"/>
-              <a:t>1/15/18</a:t>
+              <a:t>1/17/18</a:t>
             </a:fld>
             <a:endParaRPr lang="en-US"/>
           </a:p>
@@ -1240,7 +2015,7 @@
           <a:p>
             <a:fld id="{DC737DA3-2EDF-F54A-9D11-7E1456C3BA9A}" type="datetimeFigureOut">
               <a:rPr lang="en-US" smtClean="0"/>
-              <a:t>1/15/18</a:t>
+              <a:t>1/17/18</a:t>
             </a:fld>
             <a:endParaRPr lang="en-US"/>
           </a:p>
@@ -1607,7 +2382,7 @@
           <a:p>
             <a:fld id="{DC737DA3-2EDF-F54A-9D11-7E1456C3BA9A}" type="datetimeFigureOut">
               <a:rPr lang="en-US" smtClean="0"/>
-              <a:t>1/15/18</a:t>
+              <a:t>1/17/18</a:t>
             </a:fld>
             <a:endParaRPr lang="en-US"/>
           </a:p>
@@ -1725,7 +2500,7 @@
           <a:p>
             <a:fld id="{DC737DA3-2EDF-F54A-9D11-7E1456C3BA9A}" type="datetimeFigureOut">
               <a:rPr lang="en-US" smtClean="0"/>
-              <a:t>1/15/18</a:t>
+              <a:t>1/17/18</a:t>
             </a:fld>
             <a:endParaRPr lang="en-US"/>
           </a:p>
@@ -1820,7 +2595,7 @@
           <a:p>
             <a:fld id="{DC737DA3-2EDF-F54A-9D11-7E1456C3BA9A}" type="datetimeFigureOut">
               <a:rPr lang="en-US" smtClean="0"/>
-              <a:t>1/15/18</a:t>
+              <a:t>1/17/18</a:t>
             </a:fld>
             <a:endParaRPr lang="en-US"/>
           </a:p>
@@ -2097,7 +2872,7 @@
           <a:p>
             <a:fld id="{DC737DA3-2EDF-F54A-9D11-7E1456C3BA9A}" type="datetimeFigureOut">
               <a:rPr lang="en-US" smtClean="0"/>
-              <a:t>1/15/18</a:t>
+              <a:t>1/17/18</a:t>
             </a:fld>
             <a:endParaRPr lang="en-US"/>
           </a:p>
@@ -2350,7 +3125,7 @@
           <a:p>
             <a:fld id="{DC737DA3-2EDF-F54A-9D11-7E1456C3BA9A}" type="datetimeFigureOut">
               <a:rPr lang="en-US" smtClean="0"/>
-              <a:t>1/15/18</a:t>
+              <a:t>1/17/18</a:t>
             </a:fld>
             <a:endParaRPr lang="en-US"/>
           </a:p>
@@ -2563,7 +3338,7 @@
           <a:p>
             <a:fld id="{DC737DA3-2EDF-F54A-9D11-7E1456C3BA9A}" type="datetimeFigureOut">
               <a:rPr lang="en-US" smtClean="0"/>
-              <a:t>1/15/18</a:t>
+              <a:t>1/17/18</a:t>
             </a:fld>
             <a:endParaRPr lang="en-US"/>
           </a:p>
@@ -3006,7 +3781,14 @@
           <a:bodyPr/>
           <a:lstStyle/>
           <a:p>
-            <a:endParaRPr lang="en-US"/>
+            <a:endParaRPr lang="en-US" dirty="0" smtClean="0"/>
+          </a:p>
+          <a:p>
+            <a:r>
+              <a:rPr lang="en-US" dirty="0" smtClean="0"/>
+              <a:t>Choosing Team Projects</a:t>
+            </a:r>
+            <a:endParaRPr lang="en-US" dirty="0"/>
           </a:p>
         </p:txBody>
       </p:sp>
@@ -3014,6 +3796,1899 @@
     <p:extLst>
       <p:ext uri="{BB962C8B-B14F-4D97-AF65-F5344CB8AC3E}">
         <p14:creationId xmlns:p14="http://schemas.microsoft.com/office/powerpoint/2010/main" val="1351457880"/>
+      </p:ext>
+    </p:extLst>
+  </p:cSld>
+  <p:clrMapOvr>
+    <a:masterClrMapping/>
+  </p:clrMapOvr>
+</p:sld>
+</file>
+
+<file path=ppt/slides/slide10.xml><?xml version="1.0" encoding="utf-8"?>
+<p:sld xmlns:a="http://schemas.openxmlformats.org/drawingml/2006/main" xmlns:r="http://schemas.openxmlformats.org/officeDocument/2006/relationships" xmlns:p="http://schemas.openxmlformats.org/presentationml/2006/main">
+  <p:cSld>
+    <p:spTree>
+      <p:nvGrpSpPr>
+        <p:cNvPr id="1" name=""/>
+        <p:cNvGrpSpPr/>
+        <p:nvPr/>
+      </p:nvGrpSpPr>
+      <p:grpSpPr>
+        <a:xfrm>
+          <a:off x="0" y="0"/>
+          <a:ext cx="0" cy="0"/>
+          <a:chOff x="0" y="0"/>
+          <a:chExt cx="0" cy="0"/>
+        </a:xfrm>
+      </p:grpSpPr>
+      <p:sp>
+        <p:nvSpPr>
+          <p:cNvPr id="2" name="Title 1"/>
+          <p:cNvSpPr>
+            <a:spLocks noGrp="1"/>
+          </p:cNvSpPr>
+          <p:nvPr>
+            <p:ph type="title"/>
+          </p:nvPr>
+        </p:nvSpPr>
+        <p:spPr/>
+        <p:txBody>
+          <a:bodyPr/>
+          <a:lstStyle/>
+          <a:p>
+            <a:r>
+              <a:rPr lang="en-US" dirty="0" smtClean="0"/>
+              <a:t>Create a Project Structure</a:t>
+            </a:r>
+            <a:endParaRPr lang="en-US" dirty="0"/>
+          </a:p>
+        </p:txBody>
+      </p:sp>
+      <p:sp>
+        <p:nvSpPr>
+          <p:cNvPr id="3" name="Content Placeholder 2"/>
+          <p:cNvSpPr>
+            <a:spLocks noGrp="1"/>
+          </p:cNvSpPr>
+          <p:nvPr>
+            <p:ph idx="1"/>
+          </p:nvPr>
+        </p:nvSpPr>
+        <p:spPr/>
+        <p:txBody>
+          <a:bodyPr/>
+          <a:lstStyle/>
+          <a:p>
+            <a:r>
+              <a:rPr lang="en-US" dirty="0" smtClean="0"/>
+              <a:t>Based on your top level requirements, think of some ways you can group them together to make subsystems</a:t>
+            </a:r>
+          </a:p>
+          <a:p>
+            <a:endParaRPr lang="en-US" dirty="0" smtClean="0"/>
+          </a:p>
+          <a:p>
+            <a:endParaRPr lang="en-US" dirty="0"/>
+          </a:p>
+        </p:txBody>
+      </p:sp>
+    </p:spTree>
+    <p:extLst>
+      <p:ext uri="{BB962C8B-B14F-4D97-AF65-F5344CB8AC3E}">
+        <p14:creationId xmlns:p14="http://schemas.microsoft.com/office/powerpoint/2010/main" val="1833516123"/>
+      </p:ext>
+    </p:extLst>
+  </p:cSld>
+  <p:clrMapOvr>
+    <a:masterClrMapping/>
+  </p:clrMapOvr>
+</p:sld>
+</file>
+
+<file path=ppt/slides/slide11.xml><?xml version="1.0" encoding="utf-8"?>
+<p:sld xmlns:a="http://schemas.openxmlformats.org/drawingml/2006/main" xmlns:r="http://schemas.openxmlformats.org/officeDocument/2006/relationships" xmlns:p="http://schemas.openxmlformats.org/presentationml/2006/main">
+  <p:cSld>
+    <p:spTree>
+      <p:nvGrpSpPr>
+        <p:cNvPr id="1" name=""/>
+        <p:cNvGrpSpPr/>
+        <p:nvPr/>
+      </p:nvGrpSpPr>
+      <p:grpSpPr>
+        <a:xfrm>
+          <a:off x="0" y="0"/>
+          <a:ext cx="0" cy="0"/>
+          <a:chOff x="0" y="0"/>
+          <a:chExt cx="0" cy="0"/>
+        </a:xfrm>
+      </p:grpSpPr>
+      <p:sp>
+        <p:nvSpPr>
+          <p:cNvPr id="2" name="Title 1"/>
+          <p:cNvSpPr>
+            <a:spLocks noGrp="1"/>
+          </p:cNvSpPr>
+          <p:nvPr>
+            <p:ph type="title"/>
+          </p:nvPr>
+        </p:nvSpPr>
+        <p:spPr>
+          <a:xfrm>
+            <a:off x="168331" y="362768"/>
+            <a:ext cx="3153220" cy="1736965"/>
+          </a:xfrm>
+        </p:spPr>
+        <p:txBody>
+          <a:bodyPr>
+            <a:normAutofit fontScale="90000"/>
+          </a:bodyPr>
+          <a:lstStyle/>
+          <a:p>
+            <a:r>
+              <a:rPr lang="en-US" b="1" dirty="0" smtClean="0"/>
+              <a:t>Create Project Structure</a:t>
+            </a:r>
+            <a:endParaRPr lang="en-US" b="1" dirty="0"/>
+          </a:p>
+        </p:txBody>
+      </p:sp>
+      <p:sp>
+        <p:nvSpPr>
+          <p:cNvPr id="3" name="Content Placeholder 2"/>
+          <p:cNvSpPr>
+            <a:spLocks noGrp="1"/>
+          </p:cNvSpPr>
+          <p:nvPr>
+            <p:ph idx="1"/>
+          </p:nvPr>
+        </p:nvSpPr>
+        <p:spPr>
+          <a:xfrm>
+            <a:off x="452724" y="3051813"/>
+            <a:ext cx="11233208" cy="3545944"/>
+          </a:xfrm>
+        </p:spPr>
+        <p:txBody>
+          <a:bodyPr>
+            <a:noAutofit/>
+          </a:bodyPr>
+          <a:lstStyle/>
+          <a:p>
+            <a:pPr marL="0" indent="0">
+              <a:buNone/>
+            </a:pPr>
+            <a:r>
+              <a:rPr lang="en-US" sz="2100" dirty="0" smtClean="0"/>
+              <a:t>Hangman Requirements:</a:t>
+            </a:r>
+          </a:p>
+          <a:p>
+            <a:pPr marL="514350" indent="-514350">
+              <a:buFont typeface="+mj-lt"/>
+              <a:buAutoNum type="arabicPeriod"/>
+            </a:pPr>
+            <a:r>
+              <a:rPr lang="en-US" sz="2100" dirty="0" smtClean="0"/>
+              <a:t>The system shall have one player</a:t>
+            </a:r>
+          </a:p>
+          <a:p>
+            <a:pPr marL="514350" indent="-514350">
+              <a:buFont typeface="+mj-lt"/>
+              <a:buAutoNum type="arabicPeriod"/>
+            </a:pPr>
+            <a:r>
+              <a:rPr lang="en-US" sz="2100" dirty="0" smtClean="0"/>
+              <a:t>The system shall have one secret word</a:t>
+            </a:r>
+          </a:p>
+          <a:p>
+            <a:pPr marL="514350" indent="-514350">
+              <a:buFont typeface="+mj-lt"/>
+              <a:buAutoNum type="arabicPeriod"/>
+            </a:pPr>
+            <a:r>
+              <a:rPr lang="en-US" sz="2100" dirty="0" smtClean="0"/>
+              <a:t>The system shall have a specified number of turns</a:t>
+            </a:r>
+          </a:p>
+          <a:p>
+            <a:pPr marL="514350" indent="-514350">
+              <a:buFont typeface="+mj-lt"/>
+              <a:buAutoNum type="arabicPeriod"/>
+            </a:pPr>
+            <a:r>
+              <a:rPr lang="en-US" sz="2100" dirty="0" smtClean="0"/>
+              <a:t>The player shall guess one letter each turn</a:t>
+            </a:r>
+          </a:p>
+          <a:p>
+            <a:pPr marL="514350" indent="-514350">
+              <a:buFont typeface="+mj-lt"/>
+              <a:buAutoNum type="arabicPeriod"/>
+            </a:pPr>
+            <a:r>
+              <a:rPr lang="en-US" sz="2100" dirty="0" smtClean="0"/>
+              <a:t>The player wins when they have guessed all the letters in the secret word, and have not used all of their turns</a:t>
+            </a:r>
+          </a:p>
+          <a:p>
+            <a:pPr marL="514350" indent="-514350">
+              <a:buFont typeface="+mj-lt"/>
+              <a:buAutoNum type="arabicPeriod"/>
+            </a:pPr>
+            <a:r>
+              <a:rPr lang="en-US" sz="2100" dirty="0" smtClean="0"/>
+              <a:t>The player loses when they used all of their turns, and the word has not been guessed</a:t>
+            </a:r>
+          </a:p>
+          <a:p>
+            <a:pPr marL="514350" indent="-514350">
+              <a:buFont typeface="+mj-lt"/>
+              <a:buAutoNum type="arabicPeriod"/>
+            </a:pPr>
+            <a:r>
+              <a:rPr lang="en-US" sz="2100" dirty="0" smtClean="0"/>
+              <a:t>The system shall output information about the player’s progress to the user</a:t>
+            </a:r>
+            <a:endParaRPr lang="en-US" sz="2100" dirty="0" smtClean="0"/>
+          </a:p>
+        </p:txBody>
+      </p:sp>
+      <p:sp>
+        <p:nvSpPr>
+          <p:cNvPr id="27" name="Rectangle 26"/>
+          <p:cNvSpPr/>
+          <p:nvPr/>
+        </p:nvSpPr>
+        <p:spPr>
+          <a:xfrm>
+            <a:off x="6850952" y="225958"/>
+            <a:ext cx="1640191" cy="725070"/>
+          </a:xfrm>
+          <a:prstGeom prst="rect">
+            <a:avLst/>
+          </a:prstGeom>
+        </p:spPr>
+        <p:style>
+          <a:lnRef idx="2">
+            <a:schemeClr val="accent1">
+              <a:shade val="50000"/>
+            </a:schemeClr>
+          </a:lnRef>
+          <a:fillRef idx="1">
+            <a:schemeClr val="accent1"/>
+          </a:fillRef>
+          <a:effectRef idx="0">
+            <a:schemeClr val="accent1"/>
+          </a:effectRef>
+          <a:fontRef idx="minor">
+            <a:schemeClr val="lt1"/>
+          </a:fontRef>
+        </p:style>
+        <p:txBody>
+          <a:bodyPr rtlCol="0" anchor="ctr"/>
+          <a:lstStyle/>
+          <a:p>
+            <a:pPr algn="ctr"/>
+            <a:r>
+              <a:rPr lang="en-US" sz="2800" b="1" dirty="0" smtClean="0"/>
+              <a:t>Hangman</a:t>
+            </a:r>
+            <a:endParaRPr lang="en-US" sz="2800" b="1" dirty="0"/>
+          </a:p>
+        </p:txBody>
+      </p:sp>
+      <p:sp>
+        <p:nvSpPr>
+          <p:cNvPr id="28" name="Rectangle 27"/>
+          <p:cNvSpPr/>
+          <p:nvPr/>
+        </p:nvSpPr>
+        <p:spPr>
+          <a:xfrm>
+            <a:off x="3517037" y="1639002"/>
+            <a:ext cx="1582668" cy="770021"/>
+          </a:xfrm>
+          <a:prstGeom prst="rect">
+            <a:avLst/>
+          </a:prstGeom>
+        </p:spPr>
+        <p:style>
+          <a:lnRef idx="2">
+            <a:schemeClr val="accent1">
+              <a:shade val="50000"/>
+            </a:schemeClr>
+          </a:lnRef>
+          <a:fillRef idx="1">
+            <a:schemeClr val="accent1"/>
+          </a:fillRef>
+          <a:effectRef idx="0">
+            <a:schemeClr val="accent1"/>
+          </a:effectRef>
+          <a:fontRef idx="minor">
+            <a:schemeClr val="lt1"/>
+          </a:fontRef>
+        </p:style>
+        <p:txBody>
+          <a:bodyPr rtlCol="0" anchor="ctr"/>
+          <a:lstStyle/>
+          <a:p>
+            <a:pPr algn="ctr"/>
+            <a:r>
+              <a:rPr lang="en-US" sz="2400" dirty="0" smtClean="0"/>
+              <a:t>Initial Conditions</a:t>
+            </a:r>
+            <a:endParaRPr lang="en-US" sz="2400" dirty="0"/>
+          </a:p>
+        </p:txBody>
+      </p:sp>
+      <p:sp>
+        <p:nvSpPr>
+          <p:cNvPr id="29" name="Rectangle 28"/>
+          <p:cNvSpPr/>
+          <p:nvPr/>
+        </p:nvSpPr>
+        <p:spPr>
+          <a:xfrm>
+            <a:off x="5310315" y="1639001"/>
+            <a:ext cx="1475874" cy="770021"/>
+          </a:xfrm>
+          <a:prstGeom prst="rect">
+            <a:avLst/>
+          </a:prstGeom>
+        </p:spPr>
+        <p:style>
+          <a:lnRef idx="2">
+            <a:schemeClr val="accent1">
+              <a:shade val="50000"/>
+            </a:schemeClr>
+          </a:lnRef>
+          <a:fillRef idx="1">
+            <a:schemeClr val="accent1"/>
+          </a:fillRef>
+          <a:effectRef idx="0">
+            <a:schemeClr val="accent1"/>
+          </a:effectRef>
+          <a:fontRef idx="minor">
+            <a:schemeClr val="lt1"/>
+          </a:fontRef>
+        </p:style>
+        <p:txBody>
+          <a:bodyPr rtlCol="0" anchor="ctr"/>
+          <a:lstStyle/>
+          <a:p>
+            <a:pPr algn="ctr"/>
+            <a:r>
+              <a:rPr lang="en-US" sz="2400" dirty="0" smtClean="0"/>
+              <a:t>Get Letter</a:t>
+            </a:r>
+            <a:endParaRPr lang="en-US" sz="2400" dirty="0"/>
+          </a:p>
+        </p:txBody>
+      </p:sp>
+      <p:sp>
+        <p:nvSpPr>
+          <p:cNvPr id="30" name="Rectangle 29"/>
+          <p:cNvSpPr/>
+          <p:nvPr/>
+        </p:nvSpPr>
+        <p:spPr>
+          <a:xfrm>
+            <a:off x="6981675" y="1639000"/>
+            <a:ext cx="1475874" cy="770021"/>
+          </a:xfrm>
+          <a:prstGeom prst="rect">
+            <a:avLst/>
+          </a:prstGeom>
+        </p:spPr>
+        <p:style>
+          <a:lnRef idx="2">
+            <a:schemeClr val="accent1">
+              <a:shade val="50000"/>
+            </a:schemeClr>
+          </a:lnRef>
+          <a:fillRef idx="1">
+            <a:schemeClr val="accent1"/>
+          </a:fillRef>
+          <a:effectRef idx="0">
+            <a:schemeClr val="accent1"/>
+          </a:effectRef>
+          <a:fontRef idx="minor">
+            <a:schemeClr val="lt1"/>
+          </a:fontRef>
+        </p:style>
+        <p:txBody>
+          <a:bodyPr rtlCol="0" anchor="ctr"/>
+          <a:lstStyle/>
+          <a:p>
+            <a:pPr algn="ctr"/>
+            <a:r>
+              <a:rPr lang="en-US" sz="2400" dirty="0" smtClean="0"/>
+              <a:t>Check Letter</a:t>
+            </a:r>
+            <a:endParaRPr lang="en-US" sz="2400" dirty="0"/>
+          </a:p>
+        </p:txBody>
+      </p:sp>
+      <p:sp>
+        <p:nvSpPr>
+          <p:cNvPr id="31" name="Rectangle 30"/>
+          <p:cNvSpPr/>
+          <p:nvPr/>
+        </p:nvSpPr>
+        <p:spPr>
+          <a:xfrm>
+            <a:off x="8679161" y="1638999"/>
+            <a:ext cx="1475874" cy="770021"/>
+          </a:xfrm>
+          <a:prstGeom prst="rect">
+            <a:avLst/>
+          </a:prstGeom>
+        </p:spPr>
+        <p:style>
+          <a:lnRef idx="2">
+            <a:schemeClr val="accent1">
+              <a:shade val="50000"/>
+            </a:schemeClr>
+          </a:lnRef>
+          <a:fillRef idx="1">
+            <a:schemeClr val="accent1"/>
+          </a:fillRef>
+          <a:effectRef idx="0">
+            <a:schemeClr val="accent1"/>
+          </a:effectRef>
+          <a:fontRef idx="minor">
+            <a:schemeClr val="lt1"/>
+          </a:fontRef>
+        </p:style>
+        <p:txBody>
+          <a:bodyPr rtlCol="0" anchor="ctr"/>
+          <a:lstStyle/>
+          <a:p>
+            <a:pPr algn="ctr"/>
+            <a:r>
+              <a:rPr lang="en-US" sz="2400" dirty="0" smtClean="0"/>
+              <a:t>Check Win/Lose</a:t>
+            </a:r>
+            <a:endParaRPr lang="en-US" sz="2400" dirty="0"/>
+          </a:p>
+        </p:txBody>
+      </p:sp>
+      <p:cxnSp>
+        <p:nvCxnSpPr>
+          <p:cNvPr id="32" name="Straight Arrow Connector 31"/>
+          <p:cNvCxnSpPr/>
+          <p:nvPr/>
+        </p:nvCxnSpPr>
+        <p:spPr>
+          <a:xfrm flipH="1">
+            <a:off x="4308370" y="1042557"/>
+            <a:ext cx="2641532" cy="475103"/>
+          </a:xfrm>
+          <a:prstGeom prst="straightConnector1">
+            <a:avLst/>
+          </a:prstGeom>
+          <a:ln w="114300">
+            <a:tailEnd type="triangle"/>
+          </a:ln>
+        </p:spPr>
+        <p:style>
+          <a:lnRef idx="1">
+            <a:schemeClr val="accent1"/>
+          </a:lnRef>
+          <a:fillRef idx="0">
+            <a:schemeClr val="accent1"/>
+          </a:fillRef>
+          <a:effectRef idx="0">
+            <a:schemeClr val="accent1"/>
+          </a:effectRef>
+          <a:fontRef idx="minor">
+            <a:schemeClr val="tx1"/>
+          </a:fontRef>
+        </p:style>
+      </p:cxnSp>
+      <p:cxnSp>
+        <p:nvCxnSpPr>
+          <p:cNvPr id="33" name="Straight Arrow Connector 32"/>
+          <p:cNvCxnSpPr/>
+          <p:nvPr/>
+        </p:nvCxnSpPr>
+        <p:spPr>
+          <a:xfrm flipH="1">
+            <a:off x="6069328" y="1070287"/>
+            <a:ext cx="1266294" cy="465132"/>
+          </a:xfrm>
+          <a:prstGeom prst="straightConnector1">
+            <a:avLst/>
+          </a:prstGeom>
+          <a:ln w="114300">
+            <a:tailEnd type="triangle"/>
+          </a:ln>
+        </p:spPr>
+        <p:style>
+          <a:lnRef idx="1">
+            <a:schemeClr val="accent1"/>
+          </a:lnRef>
+          <a:fillRef idx="0">
+            <a:schemeClr val="accent1"/>
+          </a:fillRef>
+          <a:effectRef idx="0">
+            <a:schemeClr val="accent1"/>
+          </a:effectRef>
+          <a:fontRef idx="minor">
+            <a:schemeClr val="tx1"/>
+          </a:fontRef>
+        </p:style>
+      </p:cxnSp>
+      <p:cxnSp>
+        <p:nvCxnSpPr>
+          <p:cNvPr id="34" name="Straight Arrow Connector 33"/>
+          <p:cNvCxnSpPr/>
+          <p:nvPr/>
+        </p:nvCxnSpPr>
+        <p:spPr>
+          <a:xfrm>
+            <a:off x="8087970" y="1054609"/>
+            <a:ext cx="1329127" cy="523159"/>
+          </a:xfrm>
+          <a:prstGeom prst="straightConnector1">
+            <a:avLst/>
+          </a:prstGeom>
+          <a:ln w="114300">
+            <a:tailEnd type="triangle"/>
+          </a:ln>
+        </p:spPr>
+        <p:style>
+          <a:lnRef idx="1">
+            <a:schemeClr val="accent1"/>
+          </a:lnRef>
+          <a:fillRef idx="0">
+            <a:schemeClr val="accent1"/>
+          </a:fillRef>
+          <a:effectRef idx="0">
+            <a:schemeClr val="accent1"/>
+          </a:effectRef>
+          <a:fontRef idx="minor">
+            <a:schemeClr val="tx1"/>
+          </a:fontRef>
+        </p:style>
+      </p:cxnSp>
+      <p:cxnSp>
+        <p:nvCxnSpPr>
+          <p:cNvPr id="35" name="Straight Arrow Connector 34"/>
+          <p:cNvCxnSpPr/>
+          <p:nvPr/>
+        </p:nvCxnSpPr>
+        <p:spPr>
+          <a:xfrm>
+            <a:off x="8491143" y="1042557"/>
+            <a:ext cx="2681909" cy="444816"/>
+          </a:xfrm>
+          <a:prstGeom prst="straightConnector1">
+            <a:avLst/>
+          </a:prstGeom>
+          <a:ln w="114300">
+            <a:tailEnd type="triangle"/>
+          </a:ln>
+        </p:spPr>
+        <p:style>
+          <a:lnRef idx="1">
+            <a:schemeClr val="accent1"/>
+          </a:lnRef>
+          <a:fillRef idx="0">
+            <a:schemeClr val="accent1"/>
+          </a:fillRef>
+          <a:effectRef idx="0">
+            <a:schemeClr val="accent1"/>
+          </a:effectRef>
+          <a:fontRef idx="minor">
+            <a:schemeClr val="tx1"/>
+          </a:fontRef>
+        </p:style>
+      </p:cxnSp>
+      <p:sp>
+        <p:nvSpPr>
+          <p:cNvPr id="36" name="TextBox 35"/>
+          <p:cNvSpPr txBox="1"/>
+          <p:nvPr/>
+        </p:nvSpPr>
+        <p:spPr>
+          <a:xfrm>
+            <a:off x="8764625" y="421865"/>
+            <a:ext cx="928909" cy="400110"/>
+          </a:xfrm>
+          <a:prstGeom prst="rect">
+            <a:avLst/>
+          </a:prstGeom>
+          <a:noFill/>
+        </p:spPr>
+        <p:txBody>
+          <a:bodyPr wrap="none" rtlCol="0">
+            <a:spAutoFit/>
+          </a:bodyPr>
+          <a:lstStyle/>
+          <a:p>
+            <a:r>
+              <a:rPr lang="en-US" sz="2000" dirty="0" smtClean="0"/>
+              <a:t>System</a:t>
+            </a:r>
+            <a:endParaRPr lang="en-US" sz="2000" dirty="0"/>
+          </a:p>
+        </p:txBody>
+      </p:sp>
+      <p:sp>
+        <p:nvSpPr>
+          <p:cNvPr id="37" name="TextBox 36"/>
+          <p:cNvSpPr txBox="1"/>
+          <p:nvPr/>
+        </p:nvSpPr>
+        <p:spPr>
+          <a:xfrm>
+            <a:off x="3566276" y="2530363"/>
+            <a:ext cx="1484189" cy="400110"/>
+          </a:xfrm>
+          <a:prstGeom prst="rect">
+            <a:avLst/>
+          </a:prstGeom>
+          <a:noFill/>
+        </p:spPr>
+        <p:txBody>
+          <a:bodyPr wrap="none" rtlCol="0">
+            <a:spAutoFit/>
+          </a:bodyPr>
+          <a:lstStyle/>
+          <a:p>
+            <a:r>
+              <a:rPr lang="en-US" sz="2000" smtClean="0"/>
+              <a:t>Subsystem 1</a:t>
+            </a:r>
+            <a:endParaRPr lang="en-US" sz="2000" dirty="0"/>
+          </a:p>
+        </p:txBody>
+      </p:sp>
+      <p:sp>
+        <p:nvSpPr>
+          <p:cNvPr id="38" name="TextBox 37"/>
+          <p:cNvSpPr txBox="1"/>
+          <p:nvPr/>
+        </p:nvSpPr>
+        <p:spPr>
+          <a:xfrm>
+            <a:off x="5321316" y="2530363"/>
+            <a:ext cx="1484189" cy="400110"/>
+          </a:xfrm>
+          <a:prstGeom prst="rect">
+            <a:avLst/>
+          </a:prstGeom>
+          <a:noFill/>
+        </p:spPr>
+        <p:txBody>
+          <a:bodyPr wrap="none" rtlCol="0">
+            <a:spAutoFit/>
+          </a:bodyPr>
+          <a:lstStyle/>
+          <a:p>
+            <a:r>
+              <a:rPr lang="en-US" sz="2000" dirty="0" smtClean="0"/>
+              <a:t>Subsystem 2</a:t>
+            </a:r>
+            <a:endParaRPr lang="en-US" sz="2000" dirty="0"/>
+          </a:p>
+        </p:txBody>
+      </p:sp>
+      <p:sp>
+        <p:nvSpPr>
+          <p:cNvPr id="39" name="TextBox 38"/>
+          <p:cNvSpPr txBox="1"/>
+          <p:nvPr/>
+        </p:nvSpPr>
+        <p:spPr>
+          <a:xfrm>
+            <a:off x="6949902" y="2530363"/>
+            <a:ext cx="1484189" cy="400110"/>
+          </a:xfrm>
+          <a:prstGeom prst="rect">
+            <a:avLst/>
+          </a:prstGeom>
+          <a:noFill/>
+        </p:spPr>
+        <p:txBody>
+          <a:bodyPr wrap="none" rtlCol="0">
+            <a:spAutoFit/>
+          </a:bodyPr>
+          <a:lstStyle/>
+          <a:p>
+            <a:r>
+              <a:rPr lang="en-US" sz="2000" dirty="0" smtClean="0"/>
+              <a:t>Subsystem 3</a:t>
+            </a:r>
+            <a:endParaRPr lang="en-US" sz="2000" dirty="0"/>
+          </a:p>
+        </p:txBody>
+      </p:sp>
+      <p:sp>
+        <p:nvSpPr>
+          <p:cNvPr id="40" name="TextBox 39"/>
+          <p:cNvSpPr txBox="1"/>
+          <p:nvPr/>
+        </p:nvSpPr>
+        <p:spPr>
+          <a:xfrm>
+            <a:off x="8675003" y="2530363"/>
+            <a:ext cx="1484189" cy="400110"/>
+          </a:xfrm>
+          <a:prstGeom prst="rect">
+            <a:avLst/>
+          </a:prstGeom>
+          <a:noFill/>
+        </p:spPr>
+        <p:txBody>
+          <a:bodyPr wrap="none" rtlCol="0">
+            <a:spAutoFit/>
+          </a:bodyPr>
+          <a:lstStyle/>
+          <a:p>
+            <a:r>
+              <a:rPr lang="en-US" sz="2000" dirty="0" smtClean="0"/>
+              <a:t>Subsystem 4</a:t>
+            </a:r>
+            <a:endParaRPr lang="en-US" sz="2000" dirty="0"/>
+          </a:p>
+        </p:txBody>
+      </p:sp>
+      <p:sp>
+        <p:nvSpPr>
+          <p:cNvPr id="41" name="Rectangle 40"/>
+          <p:cNvSpPr/>
+          <p:nvPr/>
+        </p:nvSpPr>
+        <p:spPr>
+          <a:xfrm>
+            <a:off x="10435115" y="1638999"/>
+            <a:ext cx="1601890" cy="770021"/>
+          </a:xfrm>
+          <a:prstGeom prst="rect">
+            <a:avLst/>
+          </a:prstGeom>
+        </p:spPr>
+        <p:style>
+          <a:lnRef idx="2">
+            <a:schemeClr val="accent1">
+              <a:shade val="50000"/>
+            </a:schemeClr>
+          </a:lnRef>
+          <a:fillRef idx="1">
+            <a:schemeClr val="accent1"/>
+          </a:fillRef>
+          <a:effectRef idx="0">
+            <a:schemeClr val="accent1"/>
+          </a:effectRef>
+          <a:fontRef idx="minor">
+            <a:schemeClr val="lt1"/>
+          </a:fontRef>
+        </p:style>
+        <p:txBody>
+          <a:bodyPr rtlCol="0" anchor="ctr"/>
+          <a:lstStyle/>
+          <a:p>
+            <a:pPr algn="ctr"/>
+            <a:r>
+              <a:rPr lang="en-US" sz="2300" dirty="0" smtClean="0"/>
+              <a:t>Print Information</a:t>
+            </a:r>
+            <a:endParaRPr lang="en-US" sz="2300" dirty="0"/>
+          </a:p>
+        </p:txBody>
+      </p:sp>
+      <p:sp>
+        <p:nvSpPr>
+          <p:cNvPr id="42" name="TextBox 41"/>
+          <p:cNvSpPr txBox="1"/>
+          <p:nvPr/>
+        </p:nvSpPr>
+        <p:spPr>
+          <a:xfrm>
+            <a:off x="10493965" y="2531377"/>
+            <a:ext cx="1484189" cy="400110"/>
+          </a:xfrm>
+          <a:prstGeom prst="rect">
+            <a:avLst/>
+          </a:prstGeom>
+          <a:noFill/>
+        </p:spPr>
+        <p:txBody>
+          <a:bodyPr wrap="none" rtlCol="0">
+            <a:spAutoFit/>
+          </a:bodyPr>
+          <a:lstStyle/>
+          <a:p>
+            <a:r>
+              <a:rPr lang="en-US" sz="2000" dirty="0" smtClean="0"/>
+              <a:t>Subsystem 5</a:t>
+            </a:r>
+            <a:endParaRPr lang="en-US" sz="2000" dirty="0"/>
+          </a:p>
+        </p:txBody>
+      </p:sp>
+      <p:cxnSp>
+        <p:nvCxnSpPr>
+          <p:cNvPr id="43" name="Straight Arrow Connector 42"/>
+          <p:cNvCxnSpPr/>
+          <p:nvPr/>
+        </p:nvCxnSpPr>
+        <p:spPr>
+          <a:xfrm>
+            <a:off x="7738794" y="1009055"/>
+            <a:ext cx="0" cy="587596"/>
+          </a:xfrm>
+          <a:prstGeom prst="straightConnector1">
+            <a:avLst/>
+          </a:prstGeom>
+          <a:ln w="114300">
+            <a:tailEnd type="triangle"/>
+          </a:ln>
+        </p:spPr>
+        <p:style>
+          <a:lnRef idx="1">
+            <a:schemeClr val="accent1"/>
+          </a:lnRef>
+          <a:fillRef idx="0">
+            <a:schemeClr val="accent1"/>
+          </a:fillRef>
+          <a:effectRef idx="0">
+            <a:schemeClr val="accent1"/>
+          </a:effectRef>
+          <a:fontRef idx="minor">
+            <a:schemeClr val="tx1"/>
+          </a:fontRef>
+        </p:style>
+      </p:cxnSp>
+    </p:spTree>
+    <p:extLst>
+      <p:ext uri="{BB962C8B-B14F-4D97-AF65-F5344CB8AC3E}">
+        <p14:creationId xmlns:p14="http://schemas.microsoft.com/office/powerpoint/2010/main" val="1379459834"/>
+      </p:ext>
+    </p:extLst>
+  </p:cSld>
+  <p:clrMapOvr>
+    <a:masterClrMapping/>
+  </p:clrMapOvr>
+</p:sld>
+</file>
+
+<file path=ppt/slides/slide12.xml><?xml version="1.0" encoding="utf-8"?>
+<p:sld xmlns:a="http://schemas.openxmlformats.org/drawingml/2006/main" xmlns:r="http://schemas.openxmlformats.org/officeDocument/2006/relationships" xmlns:p="http://schemas.openxmlformats.org/presentationml/2006/main">
+  <p:cSld>
+    <p:spTree>
+      <p:nvGrpSpPr>
+        <p:cNvPr id="1" name=""/>
+        <p:cNvGrpSpPr/>
+        <p:nvPr/>
+      </p:nvGrpSpPr>
+      <p:grpSpPr>
+        <a:xfrm>
+          <a:off x="0" y="0"/>
+          <a:ext cx="0" cy="0"/>
+          <a:chOff x="0" y="0"/>
+          <a:chExt cx="0" cy="0"/>
+        </a:xfrm>
+      </p:grpSpPr>
+      <p:sp>
+        <p:nvSpPr>
+          <p:cNvPr id="2" name="Title 1"/>
+          <p:cNvSpPr>
+            <a:spLocks noGrp="1"/>
+          </p:cNvSpPr>
+          <p:nvPr>
+            <p:ph type="title"/>
+          </p:nvPr>
+        </p:nvSpPr>
+        <p:spPr>
+          <a:xfrm>
+            <a:off x="852876" y="710"/>
+            <a:ext cx="10515600" cy="1325563"/>
+          </a:xfrm>
+        </p:spPr>
+        <p:txBody>
+          <a:bodyPr/>
+          <a:lstStyle/>
+          <a:p>
+            <a:r>
+              <a:rPr lang="en-US" smtClean="0"/>
+              <a:t>Define Subsyste</a:t>
+            </a:r>
+            <a:r>
+              <a:rPr lang="en-US" smtClean="0"/>
+              <a:t>m Requirements</a:t>
+            </a:r>
+            <a:r>
+              <a:rPr lang="en-US" smtClean="0"/>
+              <a:t> </a:t>
+            </a:r>
+            <a:endParaRPr lang="en-US" dirty="0"/>
+          </a:p>
+        </p:txBody>
+      </p:sp>
+      <p:sp>
+        <p:nvSpPr>
+          <p:cNvPr id="3" name="Content Placeholder 2"/>
+          <p:cNvSpPr>
+            <a:spLocks noGrp="1"/>
+          </p:cNvSpPr>
+          <p:nvPr>
+            <p:ph idx="1"/>
+          </p:nvPr>
+        </p:nvSpPr>
+        <p:spPr>
+          <a:xfrm>
+            <a:off x="285750" y="4543425"/>
+            <a:ext cx="11430000" cy="1828800"/>
+          </a:xfrm>
+        </p:spPr>
+        <p:txBody>
+          <a:bodyPr>
+            <a:normAutofit fontScale="85000" lnSpcReduction="10000"/>
+          </a:bodyPr>
+          <a:lstStyle/>
+          <a:p>
+            <a:pPr marL="514350" marR="0" lvl="0" indent="-514350" defTabSz="914400" eaLnBrk="1" fontAlgn="auto" latinLnBrk="0" hangingPunct="1">
+              <a:lnSpc>
+                <a:spcPct val="100000"/>
+              </a:lnSpc>
+              <a:spcBef>
+                <a:spcPts val="0"/>
+              </a:spcBef>
+              <a:spcAft>
+                <a:spcPts val="0"/>
+              </a:spcAft>
+              <a:buClrTx/>
+              <a:buSzTx/>
+              <a:buFontTx/>
+              <a:buAutoNum type="arabicPeriod"/>
+              <a:tabLst/>
+              <a:defRPr/>
+            </a:pPr>
+            <a:r>
+              <a:rPr lang="en-US" b="1" dirty="0" smtClean="0"/>
+              <a:t>Initial Conditions</a:t>
+            </a:r>
+            <a:endParaRPr lang="en-US" b="1" dirty="0"/>
+          </a:p>
+          <a:p>
+            <a:pPr marL="0" marR="0" lvl="0" indent="0" defTabSz="914400" eaLnBrk="1" fontAlgn="auto" latinLnBrk="0" hangingPunct="1">
+              <a:lnSpc>
+                <a:spcPct val="100000"/>
+              </a:lnSpc>
+              <a:spcBef>
+                <a:spcPts val="0"/>
+              </a:spcBef>
+              <a:spcAft>
+                <a:spcPts val="0"/>
+              </a:spcAft>
+              <a:buClrTx/>
+              <a:buSzTx/>
+              <a:buNone/>
+              <a:tabLst/>
+              <a:defRPr/>
+            </a:pPr>
+            <a:r>
+              <a:rPr lang="en-US" dirty="0" smtClean="0"/>
+              <a:t>1.1  Subsystem shall get number of turns from the player and save as variable “</a:t>
+            </a:r>
+            <a:r>
+              <a:rPr lang="en-US" dirty="0" err="1" smtClean="0"/>
+              <a:t>turns_left</a:t>
+            </a:r>
+            <a:r>
+              <a:rPr lang="en-US" dirty="0" smtClean="0"/>
+              <a:t>”</a:t>
+            </a:r>
+          </a:p>
+          <a:p>
+            <a:pPr marL="0" marR="0" lvl="0" indent="0" defTabSz="914400" eaLnBrk="1" fontAlgn="auto" latinLnBrk="0" hangingPunct="1">
+              <a:lnSpc>
+                <a:spcPct val="100000"/>
+              </a:lnSpc>
+              <a:spcBef>
+                <a:spcPts val="0"/>
+              </a:spcBef>
+              <a:spcAft>
+                <a:spcPts val="0"/>
+              </a:spcAft>
+              <a:buClrTx/>
+              <a:buSzTx/>
+              <a:buNone/>
+              <a:tabLst/>
+              <a:defRPr/>
+            </a:pPr>
+            <a:r>
+              <a:rPr lang="en-US" dirty="0" smtClean="0"/>
+              <a:t>1.2  Subsystem shall get secret word from the player and save as variable “</a:t>
+            </a:r>
+            <a:r>
+              <a:rPr lang="en-US" dirty="0" err="1" smtClean="0"/>
+              <a:t>secret_word</a:t>
+            </a:r>
+            <a:r>
+              <a:rPr lang="en-US" dirty="0" smtClean="0"/>
+              <a:t>”</a:t>
+            </a:r>
+          </a:p>
+          <a:p>
+            <a:pPr marL="0" marR="0" lvl="0" indent="0" defTabSz="914400" eaLnBrk="1" fontAlgn="auto" latinLnBrk="0" hangingPunct="1">
+              <a:lnSpc>
+                <a:spcPct val="100000"/>
+              </a:lnSpc>
+              <a:spcBef>
+                <a:spcPts val="0"/>
+              </a:spcBef>
+              <a:spcAft>
+                <a:spcPts val="0"/>
+              </a:spcAft>
+              <a:buClrTx/>
+              <a:buSzTx/>
+              <a:buNone/>
+              <a:tabLst/>
+              <a:defRPr/>
+            </a:pPr>
+            <a:r>
+              <a:rPr lang="en-US" dirty="0" smtClean="0"/>
+              <a:t>1.3  Subsystem shall get name of the player and save as variable “</a:t>
+            </a:r>
+            <a:r>
+              <a:rPr lang="en-US" dirty="0" err="1" smtClean="0"/>
+              <a:t>player_name</a:t>
+            </a:r>
+            <a:r>
+              <a:rPr lang="en-US" dirty="0" smtClean="0"/>
+              <a:t>”</a:t>
+            </a:r>
+          </a:p>
+        </p:txBody>
+      </p:sp>
+      <p:sp>
+        <p:nvSpPr>
+          <p:cNvPr id="5" name="Rectangle 4"/>
+          <p:cNvSpPr/>
+          <p:nvPr/>
+        </p:nvSpPr>
+        <p:spPr>
+          <a:xfrm>
+            <a:off x="5208422" y="1411285"/>
+            <a:ext cx="1640191" cy="725070"/>
+          </a:xfrm>
+          <a:prstGeom prst="rect">
+            <a:avLst/>
+          </a:prstGeom>
+        </p:spPr>
+        <p:style>
+          <a:lnRef idx="2">
+            <a:schemeClr val="accent1">
+              <a:shade val="50000"/>
+            </a:schemeClr>
+          </a:lnRef>
+          <a:fillRef idx="1">
+            <a:schemeClr val="accent1"/>
+          </a:fillRef>
+          <a:effectRef idx="0">
+            <a:schemeClr val="accent1"/>
+          </a:effectRef>
+          <a:fontRef idx="minor">
+            <a:schemeClr val="lt1"/>
+          </a:fontRef>
+        </p:style>
+        <p:txBody>
+          <a:bodyPr rtlCol="0" anchor="ctr"/>
+          <a:lstStyle/>
+          <a:p>
+            <a:pPr algn="ctr"/>
+            <a:r>
+              <a:rPr lang="en-US" sz="2800" b="1" dirty="0" smtClean="0"/>
+              <a:t>Hangman</a:t>
+            </a:r>
+            <a:endParaRPr lang="en-US" sz="2800" b="1" dirty="0"/>
+          </a:p>
+        </p:txBody>
+      </p:sp>
+      <p:sp>
+        <p:nvSpPr>
+          <p:cNvPr id="6" name="Rectangle 5"/>
+          <p:cNvSpPr/>
+          <p:nvPr/>
+        </p:nvSpPr>
+        <p:spPr>
+          <a:xfrm>
+            <a:off x="1874507" y="2824329"/>
+            <a:ext cx="1582668" cy="770021"/>
+          </a:xfrm>
+          <a:prstGeom prst="rect">
+            <a:avLst/>
+          </a:prstGeom>
+        </p:spPr>
+        <p:style>
+          <a:lnRef idx="2">
+            <a:schemeClr val="accent1">
+              <a:shade val="50000"/>
+            </a:schemeClr>
+          </a:lnRef>
+          <a:fillRef idx="1">
+            <a:schemeClr val="accent1"/>
+          </a:fillRef>
+          <a:effectRef idx="0">
+            <a:schemeClr val="accent1"/>
+          </a:effectRef>
+          <a:fontRef idx="minor">
+            <a:schemeClr val="lt1"/>
+          </a:fontRef>
+        </p:style>
+        <p:txBody>
+          <a:bodyPr rtlCol="0" anchor="ctr"/>
+          <a:lstStyle/>
+          <a:p>
+            <a:pPr algn="ctr"/>
+            <a:r>
+              <a:rPr lang="en-US" sz="2400" dirty="0" smtClean="0"/>
+              <a:t>Initial Conditions</a:t>
+            </a:r>
+            <a:endParaRPr lang="en-US" sz="2400" dirty="0"/>
+          </a:p>
+        </p:txBody>
+      </p:sp>
+      <p:sp>
+        <p:nvSpPr>
+          <p:cNvPr id="7" name="Rectangle 6"/>
+          <p:cNvSpPr/>
+          <p:nvPr/>
+        </p:nvSpPr>
+        <p:spPr>
+          <a:xfrm>
+            <a:off x="3667785" y="2824328"/>
+            <a:ext cx="1475874" cy="770021"/>
+          </a:xfrm>
+          <a:prstGeom prst="rect">
+            <a:avLst/>
+          </a:prstGeom>
+        </p:spPr>
+        <p:style>
+          <a:lnRef idx="2">
+            <a:schemeClr val="accent1">
+              <a:shade val="50000"/>
+            </a:schemeClr>
+          </a:lnRef>
+          <a:fillRef idx="1">
+            <a:schemeClr val="accent1"/>
+          </a:fillRef>
+          <a:effectRef idx="0">
+            <a:schemeClr val="accent1"/>
+          </a:effectRef>
+          <a:fontRef idx="minor">
+            <a:schemeClr val="lt1"/>
+          </a:fontRef>
+        </p:style>
+        <p:txBody>
+          <a:bodyPr rtlCol="0" anchor="ctr"/>
+          <a:lstStyle/>
+          <a:p>
+            <a:pPr algn="ctr"/>
+            <a:r>
+              <a:rPr lang="en-US" sz="2400" dirty="0" smtClean="0"/>
+              <a:t>Get Letter</a:t>
+            </a:r>
+            <a:endParaRPr lang="en-US" sz="2400" dirty="0"/>
+          </a:p>
+        </p:txBody>
+      </p:sp>
+      <p:sp>
+        <p:nvSpPr>
+          <p:cNvPr id="8" name="Rectangle 7"/>
+          <p:cNvSpPr/>
+          <p:nvPr/>
+        </p:nvSpPr>
+        <p:spPr>
+          <a:xfrm>
+            <a:off x="5339145" y="2824327"/>
+            <a:ext cx="1475874" cy="770021"/>
+          </a:xfrm>
+          <a:prstGeom prst="rect">
+            <a:avLst/>
+          </a:prstGeom>
+        </p:spPr>
+        <p:style>
+          <a:lnRef idx="2">
+            <a:schemeClr val="accent1">
+              <a:shade val="50000"/>
+            </a:schemeClr>
+          </a:lnRef>
+          <a:fillRef idx="1">
+            <a:schemeClr val="accent1"/>
+          </a:fillRef>
+          <a:effectRef idx="0">
+            <a:schemeClr val="accent1"/>
+          </a:effectRef>
+          <a:fontRef idx="minor">
+            <a:schemeClr val="lt1"/>
+          </a:fontRef>
+        </p:style>
+        <p:txBody>
+          <a:bodyPr rtlCol="0" anchor="ctr"/>
+          <a:lstStyle/>
+          <a:p>
+            <a:pPr algn="ctr"/>
+            <a:r>
+              <a:rPr lang="en-US" sz="2400" dirty="0" smtClean="0"/>
+              <a:t>Check Letter</a:t>
+            </a:r>
+            <a:endParaRPr lang="en-US" sz="2400" dirty="0"/>
+          </a:p>
+        </p:txBody>
+      </p:sp>
+      <p:sp>
+        <p:nvSpPr>
+          <p:cNvPr id="9" name="Rectangle 8"/>
+          <p:cNvSpPr/>
+          <p:nvPr/>
+        </p:nvSpPr>
+        <p:spPr>
+          <a:xfrm>
+            <a:off x="7036631" y="2824326"/>
+            <a:ext cx="1475874" cy="770021"/>
+          </a:xfrm>
+          <a:prstGeom prst="rect">
+            <a:avLst/>
+          </a:prstGeom>
+        </p:spPr>
+        <p:style>
+          <a:lnRef idx="2">
+            <a:schemeClr val="accent1">
+              <a:shade val="50000"/>
+            </a:schemeClr>
+          </a:lnRef>
+          <a:fillRef idx="1">
+            <a:schemeClr val="accent1"/>
+          </a:fillRef>
+          <a:effectRef idx="0">
+            <a:schemeClr val="accent1"/>
+          </a:effectRef>
+          <a:fontRef idx="minor">
+            <a:schemeClr val="lt1"/>
+          </a:fontRef>
+        </p:style>
+        <p:txBody>
+          <a:bodyPr rtlCol="0" anchor="ctr"/>
+          <a:lstStyle/>
+          <a:p>
+            <a:pPr algn="ctr"/>
+            <a:r>
+              <a:rPr lang="en-US" sz="2400" dirty="0" smtClean="0"/>
+              <a:t>Check Win/Lose</a:t>
+            </a:r>
+            <a:endParaRPr lang="en-US" sz="2400" dirty="0"/>
+          </a:p>
+        </p:txBody>
+      </p:sp>
+      <p:cxnSp>
+        <p:nvCxnSpPr>
+          <p:cNvPr id="10" name="Straight Arrow Connector 9"/>
+          <p:cNvCxnSpPr/>
+          <p:nvPr/>
+        </p:nvCxnSpPr>
+        <p:spPr>
+          <a:xfrm flipH="1">
+            <a:off x="2665840" y="2227884"/>
+            <a:ext cx="2641532" cy="475103"/>
+          </a:xfrm>
+          <a:prstGeom prst="straightConnector1">
+            <a:avLst/>
+          </a:prstGeom>
+          <a:ln w="114300">
+            <a:tailEnd type="triangle"/>
+          </a:ln>
+        </p:spPr>
+        <p:style>
+          <a:lnRef idx="1">
+            <a:schemeClr val="accent1"/>
+          </a:lnRef>
+          <a:fillRef idx="0">
+            <a:schemeClr val="accent1"/>
+          </a:fillRef>
+          <a:effectRef idx="0">
+            <a:schemeClr val="accent1"/>
+          </a:effectRef>
+          <a:fontRef idx="minor">
+            <a:schemeClr val="tx1"/>
+          </a:fontRef>
+        </p:style>
+      </p:cxnSp>
+      <p:cxnSp>
+        <p:nvCxnSpPr>
+          <p:cNvPr id="11" name="Straight Arrow Connector 10"/>
+          <p:cNvCxnSpPr/>
+          <p:nvPr/>
+        </p:nvCxnSpPr>
+        <p:spPr>
+          <a:xfrm flipH="1">
+            <a:off x="4426798" y="2255614"/>
+            <a:ext cx="1266294" cy="465132"/>
+          </a:xfrm>
+          <a:prstGeom prst="straightConnector1">
+            <a:avLst/>
+          </a:prstGeom>
+          <a:ln w="114300">
+            <a:tailEnd type="triangle"/>
+          </a:ln>
+        </p:spPr>
+        <p:style>
+          <a:lnRef idx="1">
+            <a:schemeClr val="accent1"/>
+          </a:lnRef>
+          <a:fillRef idx="0">
+            <a:schemeClr val="accent1"/>
+          </a:fillRef>
+          <a:effectRef idx="0">
+            <a:schemeClr val="accent1"/>
+          </a:effectRef>
+          <a:fontRef idx="minor">
+            <a:schemeClr val="tx1"/>
+          </a:fontRef>
+        </p:style>
+      </p:cxnSp>
+      <p:cxnSp>
+        <p:nvCxnSpPr>
+          <p:cNvPr id="12" name="Straight Arrow Connector 11"/>
+          <p:cNvCxnSpPr/>
+          <p:nvPr/>
+        </p:nvCxnSpPr>
+        <p:spPr>
+          <a:xfrm>
+            <a:off x="6445440" y="2239936"/>
+            <a:ext cx="1329127" cy="523159"/>
+          </a:xfrm>
+          <a:prstGeom prst="straightConnector1">
+            <a:avLst/>
+          </a:prstGeom>
+          <a:ln w="114300">
+            <a:tailEnd type="triangle"/>
+          </a:ln>
+        </p:spPr>
+        <p:style>
+          <a:lnRef idx="1">
+            <a:schemeClr val="accent1"/>
+          </a:lnRef>
+          <a:fillRef idx="0">
+            <a:schemeClr val="accent1"/>
+          </a:fillRef>
+          <a:effectRef idx="0">
+            <a:schemeClr val="accent1"/>
+          </a:effectRef>
+          <a:fontRef idx="minor">
+            <a:schemeClr val="tx1"/>
+          </a:fontRef>
+        </p:style>
+      </p:cxnSp>
+      <p:cxnSp>
+        <p:nvCxnSpPr>
+          <p:cNvPr id="13" name="Straight Arrow Connector 12"/>
+          <p:cNvCxnSpPr/>
+          <p:nvPr/>
+        </p:nvCxnSpPr>
+        <p:spPr>
+          <a:xfrm>
+            <a:off x="6848613" y="2227884"/>
+            <a:ext cx="2681909" cy="444816"/>
+          </a:xfrm>
+          <a:prstGeom prst="straightConnector1">
+            <a:avLst/>
+          </a:prstGeom>
+          <a:ln w="114300">
+            <a:tailEnd type="triangle"/>
+          </a:ln>
+        </p:spPr>
+        <p:style>
+          <a:lnRef idx="1">
+            <a:schemeClr val="accent1"/>
+          </a:lnRef>
+          <a:fillRef idx="0">
+            <a:schemeClr val="accent1"/>
+          </a:fillRef>
+          <a:effectRef idx="0">
+            <a:schemeClr val="accent1"/>
+          </a:effectRef>
+          <a:fontRef idx="minor">
+            <a:schemeClr val="tx1"/>
+          </a:fontRef>
+        </p:style>
+      </p:cxnSp>
+      <p:sp>
+        <p:nvSpPr>
+          <p:cNvPr id="14" name="TextBox 13"/>
+          <p:cNvSpPr txBox="1"/>
+          <p:nvPr/>
+        </p:nvSpPr>
+        <p:spPr>
+          <a:xfrm>
+            <a:off x="7122095" y="1607192"/>
+            <a:ext cx="928909" cy="400110"/>
+          </a:xfrm>
+          <a:prstGeom prst="rect">
+            <a:avLst/>
+          </a:prstGeom>
+          <a:noFill/>
+        </p:spPr>
+        <p:txBody>
+          <a:bodyPr wrap="none" rtlCol="0">
+            <a:spAutoFit/>
+          </a:bodyPr>
+          <a:lstStyle/>
+          <a:p>
+            <a:r>
+              <a:rPr lang="en-US" sz="2000" dirty="0" smtClean="0"/>
+              <a:t>System</a:t>
+            </a:r>
+            <a:endParaRPr lang="en-US" sz="2000" dirty="0"/>
+          </a:p>
+        </p:txBody>
+      </p:sp>
+      <p:sp>
+        <p:nvSpPr>
+          <p:cNvPr id="15" name="TextBox 14"/>
+          <p:cNvSpPr txBox="1"/>
+          <p:nvPr/>
+        </p:nvSpPr>
+        <p:spPr>
+          <a:xfrm>
+            <a:off x="1923746" y="3715690"/>
+            <a:ext cx="1484189" cy="400110"/>
+          </a:xfrm>
+          <a:prstGeom prst="rect">
+            <a:avLst/>
+          </a:prstGeom>
+          <a:noFill/>
+        </p:spPr>
+        <p:txBody>
+          <a:bodyPr wrap="none" rtlCol="0">
+            <a:spAutoFit/>
+          </a:bodyPr>
+          <a:lstStyle/>
+          <a:p>
+            <a:r>
+              <a:rPr lang="en-US" sz="2000" smtClean="0"/>
+              <a:t>Subsystem 1</a:t>
+            </a:r>
+            <a:endParaRPr lang="en-US" sz="2000" dirty="0"/>
+          </a:p>
+        </p:txBody>
+      </p:sp>
+      <p:sp>
+        <p:nvSpPr>
+          <p:cNvPr id="16" name="TextBox 15"/>
+          <p:cNvSpPr txBox="1"/>
+          <p:nvPr/>
+        </p:nvSpPr>
+        <p:spPr>
+          <a:xfrm>
+            <a:off x="3678786" y="3715690"/>
+            <a:ext cx="1484189" cy="400110"/>
+          </a:xfrm>
+          <a:prstGeom prst="rect">
+            <a:avLst/>
+          </a:prstGeom>
+          <a:noFill/>
+        </p:spPr>
+        <p:txBody>
+          <a:bodyPr wrap="none" rtlCol="0">
+            <a:spAutoFit/>
+          </a:bodyPr>
+          <a:lstStyle/>
+          <a:p>
+            <a:r>
+              <a:rPr lang="en-US" sz="2000" dirty="0" smtClean="0"/>
+              <a:t>Subsystem 2</a:t>
+            </a:r>
+            <a:endParaRPr lang="en-US" sz="2000" dirty="0"/>
+          </a:p>
+        </p:txBody>
+      </p:sp>
+      <p:sp>
+        <p:nvSpPr>
+          <p:cNvPr id="17" name="TextBox 16"/>
+          <p:cNvSpPr txBox="1"/>
+          <p:nvPr/>
+        </p:nvSpPr>
+        <p:spPr>
+          <a:xfrm>
+            <a:off x="5307372" y="3715690"/>
+            <a:ext cx="1484189" cy="400110"/>
+          </a:xfrm>
+          <a:prstGeom prst="rect">
+            <a:avLst/>
+          </a:prstGeom>
+          <a:noFill/>
+        </p:spPr>
+        <p:txBody>
+          <a:bodyPr wrap="none" rtlCol="0">
+            <a:spAutoFit/>
+          </a:bodyPr>
+          <a:lstStyle/>
+          <a:p>
+            <a:r>
+              <a:rPr lang="en-US" sz="2000" dirty="0" smtClean="0"/>
+              <a:t>Subsystem 3</a:t>
+            </a:r>
+            <a:endParaRPr lang="en-US" sz="2000" dirty="0"/>
+          </a:p>
+        </p:txBody>
+      </p:sp>
+      <p:sp>
+        <p:nvSpPr>
+          <p:cNvPr id="18" name="TextBox 17"/>
+          <p:cNvSpPr txBox="1"/>
+          <p:nvPr/>
+        </p:nvSpPr>
+        <p:spPr>
+          <a:xfrm>
+            <a:off x="7032473" y="3715690"/>
+            <a:ext cx="1484189" cy="400110"/>
+          </a:xfrm>
+          <a:prstGeom prst="rect">
+            <a:avLst/>
+          </a:prstGeom>
+          <a:noFill/>
+        </p:spPr>
+        <p:txBody>
+          <a:bodyPr wrap="none" rtlCol="0">
+            <a:spAutoFit/>
+          </a:bodyPr>
+          <a:lstStyle/>
+          <a:p>
+            <a:r>
+              <a:rPr lang="en-US" sz="2000" dirty="0" smtClean="0"/>
+              <a:t>Subsystem 4</a:t>
+            </a:r>
+            <a:endParaRPr lang="en-US" sz="2000" dirty="0"/>
+          </a:p>
+        </p:txBody>
+      </p:sp>
+      <p:sp>
+        <p:nvSpPr>
+          <p:cNvPr id="19" name="Rectangle 18"/>
+          <p:cNvSpPr/>
+          <p:nvPr/>
+        </p:nvSpPr>
+        <p:spPr>
+          <a:xfrm>
+            <a:off x="8792585" y="2824326"/>
+            <a:ext cx="1601890" cy="770021"/>
+          </a:xfrm>
+          <a:prstGeom prst="rect">
+            <a:avLst/>
+          </a:prstGeom>
+        </p:spPr>
+        <p:style>
+          <a:lnRef idx="2">
+            <a:schemeClr val="accent1">
+              <a:shade val="50000"/>
+            </a:schemeClr>
+          </a:lnRef>
+          <a:fillRef idx="1">
+            <a:schemeClr val="accent1"/>
+          </a:fillRef>
+          <a:effectRef idx="0">
+            <a:schemeClr val="accent1"/>
+          </a:effectRef>
+          <a:fontRef idx="minor">
+            <a:schemeClr val="lt1"/>
+          </a:fontRef>
+        </p:style>
+        <p:txBody>
+          <a:bodyPr rtlCol="0" anchor="ctr"/>
+          <a:lstStyle/>
+          <a:p>
+            <a:pPr algn="ctr"/>
+            <a:r>
+              <a:rPr lang="en-US" sz="2300" dirty="0" smtClean="0"/>
+              <a:t>Print Information</a:t>
+            </a:r>
+            <a:endParaRPr lang="en-US" sz="2300" dirty="0"/>
+          </a:p>
+        </p:txBody>
+      </p:sp>
+      <p:sp>
+        <p:nvSpPr>
+          <p:cNvPr id="20" name="TextBox 19"/>
+          <p:cNvSpPr txBox="1"/>
+          <p:nvPr/>
+        </p:nvSpPr>
+        <p:spPr>
+          <a:xfrm>
+            <a:off x="8851435" y="3716704"/>
+            <a:ext cx="1484189" cy="400110"/>
+          </a:xfrm>
+          <a:prstGeom prst="rect">
+            <a:avLst/>
+          </a:prstGeom>
+          <a:noFill/>
+        </p:spPr>
+        <p:txBody>
+          <a:bodyPr wrap="none" rtlCol="0">
+            <a:spAutoFit/>
+          </a:bodyPr>
+          <a:lstStyle/>
+          <a:p>
+            <a:r>
+              <a:rPr lang="en-US" sz="2000" dirty="0" smtClean="0"/>
+              <a:t>Subsystem 5</a:t>
+            </a:r>
+            <a:endParaRPr lang="en-US" sz="2000" dirty="0"/>
+          </a:p>
+        </p:txBody>
+      </p:sp>
+      <p:cxnSp>
+        <p:nvCxnSpPr>
+          <p:cNvPr id="24" name="Straight Arrow Connector 23"/>
+          <p:cNvCxnSpPr/>
+          <p:nvPr/>
+        </p:nvCxnSpPr>
+        <p:spPr>
+          <a:xfrm>
+            <a:off x="6096264" y="2194382"/>
+            <a:ext cx="0" cy="587596"/>
+          </a:xfrm>
+          <a:prstGeom prst="straightConnector1">
+            <a:avLst/>
+          </a:prstGeom>
+          <a:ln w="114300">
+            <a:tailEnd type="triangle"/>
+          </a:ln>
+        </p:spPr>
+        <p:style>
+          <a:lnRef idx="1">
+            <a:schemeClr val="accent1"/>
+          </a:lnRef>
+          <a:fillRef idx="0">
+            <a:schemeClr val="accent1"/>
+          </a:fillRef>
+          <a:effectRef idx="0">
+            <a:schemeClr val="accent1"/>
+          </a:effectRef>
+          <a:fontRef idx="minor">
+            <a:schemeClr val="tx1"/>
+          </a:fontRef>
+        </p:style>
+      </p:cxnSp>
+    </p:spTree>
+    <p:extLst>
+      <p:ext uri="{BB962C8B-B14F-4D97-AF65-F5344CB8AC3E}">
+        <p14:creationId xmlns:p14="http://schemas.microsoft.com/office/powerpoint/2010/main" val="110143789"/>
+      </p:ext>
+    </p:extLst>
+  </p:cSld>
+  <p:clrMapOvr>
+    <a:masterClrMapping/>
+  </p:clrMapOvr>
+</p:sld>
+</file>
+
+<file path=ppt/slides/slide13.xml><?xml version="1.0" encoding="utf-8"?>
+<p:sld xmlns:a="http://schemas.openxmlformats.org/drawingml/2006/main" xmlns:r="http://schemas.openxmlformats.org/officeDocument/2006/relationships" xmlns:p="http://schemas.openxmlformats.org/presentationml/2006/main">
+  <p:cSld>
+    <p:spTree>
+      <p:nvGrpSpPr>
+        <p:cNvPr id="1" name=""/>
+        <p:cNvGrpSpPr/>
+        <p:nvPr/>
+      </p:nvGrpSpPr>
+      <p:grpSpPr>
+        <a:xfrm>
+          <a:off x="0" y="0"/>
+          <a:ext cx="0" cy="0"/>
+          <a:chOff x="0" y="0"/>
+          <a:chExt cx="0" cy="0"/>
+        </a:xfrm>
+      </p:grpSpPr>
+      <p:sp>
+        <p:nvSpPr>
+          <p:cNvPr id="2" name="Title 1"/>
+          <p:cNvSpPr>
+            <a:spLocks noGrp="1"/>
+          </p:cNvSpPr>
+          <p:nvPr>
+            <p:ph type="title"/>
+          </p:nvPr>
+        </p:nvSpPr>
+        <p:spPr/>
+        <p:txBody>
+          <a:bodyPr/>
+          <a:lstStyle/>
+          <a:p>
+            <a:r>
+              <a:rPr lang="en-US" dirty="0" smtClean="0"/>
+              <a:t>Preliminary Design Review - PDR</a:t>
+            </a:r>
+            <a:endParaRPr lang="en-US" dirty="0"/>
+          </a:p>
+        </p:txBody>
+      </p:sp>
+      <p:sp>
+        <p:nvSpPr>
+          <p:cNvPr id="3" name="Content Placeholder 2"/>
+          <p:cNvSpPr>
+            <a:spLocks noGrp="1"/>
+          </p:cNvSpPr>
+          <p:nvPr>
+            <p:ph idx="1"/>
+          </p:nvPr>
+        </p:nvSpPr>
+        <p:spPr/>
+        <p:txBody>
+          <a:bodyPr/>
+          <a:lstStyle/>
+          <a:p>
+            <a:r>
+              <a:rPr lang="en-US" dirty="0" smtClean="0"/>
+              <a:t>Before we start building, we want to get feedback about our designs</a:t>
+            </a:r>
+          </a:p>
+          <a:p>
+            <a:r>
+              <a:rPr lang="en-US" dirty="0" smtClean="0"/>
+              <a:t>Create presentations to show what you are going to do</a:t>
+            </a:r>
+            <a:endParaRPr lang="en-US" dirty="0"/>
+          </a:p>
+        </p:txBody>
+      </p:sp>
+    </p:spTree>
+    <p:extLst>
+      <p:ext uri="{BB962C8B-B14F-4D97-AF65-F5344CB8AC3E}">
+        <p14:creationId xmlns:p14="http://schemas.microsoft.com/office/powerpoint/2010/main" val="383717550"/>
+      </p:ext>
+    </p:extLst>
+  </p:cSld>
+  <p:clrMapOvr>
+    <a:masterClrMapping/>
+  </p:clrMapOvr>
+</p:sld>
+</file>
+
+<file path=ppt/slides/slide14.xml><?xml version="1.0" encoding="utf-8"?>
+<p:sld xmlns:a="http://schemas.openxmlformats.org/drawingml/2006/main" xmlns:r="http://schemas.openxmlformats.org/officeDocument/2006/relationships" xmlns:p="http://schemas.openxmlformats.org/presentationml/2006/main">
+  <p:cSld>
+    <p:spTree>
+      <p:nvGrpSpPr>
+        <p:cNvPr id="1" name=""/>
+        <p:cNvGrpSpPr/>
+        <p:nvPr/>
+      </p:nvGrpSpPr>
+      <p:grpSpPr>
+        <a:xfrm>
+          <a:off x="0" y="0"/>
+          <a:ext cx="0" cy="0"/>
+          <a:chOff x="0" y="0"/>
+          <a:chExt cx="0" cy="0"/>
+        </a:xfrm>
+      </p:grpSpPr>
+      <p:sp>
+        <p:nvSpPr>
+          <p:cNvPr id="2" name="Title 1"/>
+          <p:cNvSpPr>
+            <a:spLocks noGrp="1"/>
+          </p:cNvSpPr>
+          <p:nvPr>
+            <p:ph type="title"/>
+          </p:nvPr>
+        </p:nvSpPr>
+        <p:spPr/>
+        <p:txBody>
+          <a:bodyPr/>
+          <a:lstStyle/>
+          <a:p>
+            <a:r>
+              <a:rPr lang="en-US" dirty="0" smtClean="0"/>
+              <a:t>Prepare for Preliminary Design Review - PDR</a:t>
+            </a:r>
+            <a:endParaRPr lang="en-US" dirty="0"/>
+          </a:p>
+        </p:txBody>
+      </p:sp>
+      <p:sp>
+        <p:nvSpPr>
+          <p:cNvPr id="3" name="Content Placeholder 2"/>
+          <p:cNvSpPr>
+            <a:spLocks noGrp="1"/>
+          </p:cNvSpPr>
+          <p:nvPr>
+            <p:ph idx="1"/>
+          </p:nvPr>
+        </p:nvSpPr>
+        <p:spPr/>
+        <p:txBody>
+          <a:bodyPr/>
+          <a:lstStyle/>
+          <a:p>
+            <a:pPr marL="514350" indent="-514350">
+              <a:buFont typeface="+mj-lt"/>
+              <a:buAutoNum type="arabicPeriod"/>
+            </a:pPr>
+            <a:r>
+              <a:rPr lang="en-US" dirty="0" smtClean="0"/>
+              <a:t>What is your problem statement?</a:t>
+            </a:r>
+          </a:p>
+          <a:p>
+            <a:pPr marL="514350" indent="-514350">
+              <a:buFont typeface="+mj-lt"/>
+              <a:buAutoNum type="arabicPeriod"/>
+            </a:pPr>
+            <a:r>
+              <a:rPr lang="en-US" dirty="0" smtClean="0"/>
+              <a:t>What are your top level requirements?</a:t>
+            </a:r>
+          </a:p>
+          <a:p>
+            <a:pPr marL="514350" indent="-514350">
+              <a:buFont typeface="+mj-lt"/>
+              <a:buAutoNum type="arabicPeriod"/>
+            </a:pPr>
+            <a:r>
+              <a:rPr lang="en-US" dirty="0" smtClean="0"/>
+              <a:t>What is your project structure / what are your subsystems?</a:t>
+            </a:r>
+          </a:p>
+          <a:p>
+            <a:pPr marL="514350" indent="-514350">
+              <a:buFont typeface="+mj-lt"/>
+              <a:buAutoNum type="arabicPeriod"/>
+            </a:pPr>
+            <a:r>
+              <a:rPr lang="en-US" dirty="0" smtClean="0"/>
+              <a:t>What are your subsystem requirements?</a:t>
+            </a:r>
+          </a:p>
+          <a:p>
+            <a:pPr marL="514350" indent="-514350">
+              <a:buFont typeface="+mj-lt"/>
+              <a:buAutoNum type="arabicPeriod"/>
+            </a:pPr>
+            <a:r>
+              <a:rPr lang="en-US" dirty="0" smtClean="0"/>
+              <a:t>How are you going to build this? </a:t>
+            </a:r>
+          </a:p>
+          <a:p>
+            <a:pPr marL="514350" indent="-514350">
+              <a:buFont typeface="+mj-lt"/>
+              <a:buAutoNum type="arabicPeriod"/>
+            </a:pPr>
+            <a:r>
+              <a:rPr lang="en-US" dirty="0" smtClean="0"/>
+              <a:t>Do you anticipate any problems building it?</a:t>
+            </a:r>
+          </a:p>
+          <a:p>
+            <a:pPr marL="514350" indent="-514350">
+              <a:buFont typeface="+mj-lt"/>
+              <a:buAutoNum type="arabicPeriod"/>
+            </a:pPr>
+            <a:endParaRPr lang="en-US" dirty="0" smtClean="0"/>
+          </a:p>
+          <a:p>
+            <a:pPr marL="0" indent="0">
+              <a:buNone/>
+            </a:pPr>
+            <a:r>
+              <a:rPr lang="en-US" dirty="0" smtClean="0"/>
+              <a:t>We’ll be presenting on Thursday / Friday</a:t>
+            </a:r>
+            <a:endParaRPr lang="en-US" dirty="0"/>
+          </a:p>
+        </p:txBody>
+      </p:sp>
+    </p:spTree>
+    <p:extLst>
+      <p:ext uri="{BB962C8B-B14F-4D97-AF65-F5344CB8AC3E}">
+        <p14:creationId xmlns:p14="http://schemas.microsoft.com/office/powerpoint/2010/main" val="251307178"/>
       </p:ext>
     </p:extLst>
   </p:cSld>
@@ -3174,9 +5849,27 @@
           <a:p>
             <a:r>
               <a:rPr lang="en-US" dirty="0" smtClean="0"/>
-              <a:t>3 person groups</a:t>
-            </a:r>
-            <a:endParaRPr lang="en-US" dirty="0"/>
+              <a:t>2-3</a:t>
+            </a:r>
+            <a:r>
+              <a:rPr lang="en-US" dirty="0" smtClean="0"/>
+              <a:t> </a:t>
+            </a:r>
+            <a:r>
+              <a:rPr lang="en-US" dirty="0" smtClean="0"/>
+              <a:t>person groups</a:t>
+            </a:r>
+          </a:p>
+          <a:p>
+            <a:r>
+              <a:rPr lang="en-US" dirty="0" smtClean="0"/>
+              <a:t>Each group must have a different </a:t>
+            </a:r>
+            <a:r>
+              <a:rPr lang="en-US" dirty="0" smtClean="0"/>
+              <a:t>project</a:t>
+            </a:r>
+            <a:endParaRPr lang="en-US" dirty="0" smtClean="0"/>
           </a:p>
         </p:txBody>
       </p:sp>
@@ -3227,7 +5920,7 @@
           <a:p>
             <a:r>
               <a:rPr lang="en-US" dirty="0" smtClean="0"/>
-              <a:t>Project Ideas</a:t>
+              <a:t>Choosing a Project</a:t>
             </a:r>
             <a:endParaRPr lang="en-US" dirty="0"/>
           </a:p>
@@ -3243,27 +5936,112 @@
             <p:ph idx="1"/>
           </p:nvPr>
         </p:nvSpPr>
-        <p:spPr/>
-        <p:txBody>
-          <a:bodyPr/>
-          <a:lstStyle/>
-          <a:p>
-            <a:r>
-              <a:rPr lang="en-US" dirty="0" smtClean="0"/>
-              <a:t>Tic Tac Toe (Python)</a:t>
-            </a:r>
-          </a:p>
-          <a:p>
-            <a:r>
-              <a:rPr lang="en-US" dirty="0" smtClean="0"/>
-              <a:t>Spell checker (Python)</a:t>
-            </a:r>
-          </a:p>
-          <a:p>
-            <a:endParaRPr lang="en-US" dirty="0" smtClean="0"/>
-          </a:p>
-          <a:p>
-            <a:endParaRPr lang="en-US" dirty="0"/>
+        <p:spPr>
+          <a:xfrm>
+            <a:off x="838200" y="1825625"/>
+            <a:ext cx="10515600" cy="4767680"/>
+          </a:xfrm>
+        </p:spPr>
+        <p:txBody>
+          <a:bodyPr>
+            <a:normAutofit/>
+          </a:bodyPr>
+          <a:lstStyle/>
+          <a:p>
+            <a:r>
+              <a:rPr lang="en-US" sz="3200" dirty="0" smtClean="0"/>
+              <a:t>Example </a:t>
+            </a:r>
+            <a:r>
+              <a:rPr lang="en-US" sz="3200" dirty="0" smtClean="0"/>
+              <a:t>Python Project </a:t>
+            </a:r>
+            <a:r>
+              <a:rPr lang="en-US" sz="3200" dirty="0" smtClean="0"/>
+              <a:t>Ideas:</a:t>
+            </a:r>
+          </a:p>
+          <a:p>
+            <a:pPr lvl="1"/>
+            <a:r>
+              <a:rPr lang="en-US" sz="2800" dirty="0" smtClean="0"/>
+              <a:t>Tic Tac Toe - </a:t>
+            </a:r>
+            <a:r>
+              <a:rPr lang="en-US" sz="2800" dirty="0" smtClean="0"/>
+              <a:t>game</a:t>
+            </a:r>
+            <a:endParaRPr lang="en-US" sz="2800" dirty="0" smtClean="0"/>
+          </a:p>
+          <a:p>
+            <a:pPr lvl="1"/>
+            <a:r>
+              <a:rPr lang="en-US" sz="2800" dirty="0" smtClean="0"/>
+              <a:t>Tic Tac Toe </a:t>
+            </a:r>
+            <a:r>
+              <a:rPr lang="mr-IN" sz="2800" dirty="0" smtClean="0"/>
+              <a:t>–</a:t>
+            </a:r>
+            <a:r>
+              <a:rPr lang="en-US" sz="2800" dirty="0" smtClean="0"/>
+              <a:t> game + computer </a:t>
+            </a:r>
+            <a:r>
+              <a:rPr lang="en-US" sz="2800" dirty="0" smtClean="0"/>
+              <a:t>player</a:t>
+            </a:r>
+            <a:endParaRPr lang="en-US" sz="2800" dirty="0" smtClean="0"/>
+          </a:p>
+          <a:p>
+            <a:pPr lvl="1"/>
+            <a:r>
+              <a:rPr lang="en-US" sz="2800" dirty="0" smtClean="0"/>
+              <a:t>Anagram maker</a:t>
+            </a:r>
+          </a:p>
+          <a:p>
+            <a:pPr lvl="1"/>
+            <a:r>
+              <a:rPr lang="en-US" sz="2800" dirty="0" smtClean="0"/>
+              <a:t>Prime Factorization of a number</a:t>
+            </a:r>
+          </a:p>
+          <a:p>
+            <a:pPr lvl="1"/>
+            <a:r>
+              <a:rPr lang="en-US" sz="2800" dirty="0" smtClean="0"/>
+              <a:t>Hangman (modular, with functions)</a:t>
+            </a:r>
+          </a:p>
+          <a:p>
+            <a:pPr lvl="1"/>
+            <a:r>
+              <a:rPr lang="en-US" sz="2800" smtClean="0"/>
+              <a:t>Text analysis </a:t>
+            </a:r>
+            <a:endParaRPr lang="en-US" sz="3200" dirty="0" smtClean="0"/>
+          </a:p>
+          <a:p>
+            <a:r>
+              <a:rPr lang="en-US" sz="3200" dirty="0" smtClean="0"/>
+              <a:t>Or come up with your own idea!</a:t>
+            </a:r>
+          </a:p>
+          <a:p>
+            <a:r>
+              <a:rPr lang="en-US" sz="3200" dirty="0" smtClean="0"/>
+              <a:t>Think about how you might complete your project</a:t>
+            </a:r>
+          </a:p>
+          <a:p>
+            <a:endParaRPr lang="en-US" sz="3200" dirty="0" smtClean="0"/>
+          </a:p>
+          <a:p>
+            <a:endParaRPr lang="en-US" sz="3200" dirty="0" smtClean="0"/>
+          </a:p>
+          <a:p>
+            <a:endParaRPr lang="en-US" sz="3200" dirty="0"/>
           </a:p>
         </p:txBody>
       </p:sp>
@@ -3312,6 +6090,10 @@
           <a:bodyPr/>
           <a:lstStyle/>
           <a:p>
+            <a:r>
+              <a:rPr lang="en-US" dirty="0" smtClean="0"/>
+              <a:t>Present Your Choice</a:t>
+            </a:r>
             <a:endParaRPr lang="en-US" dirty="0"/>
           </a:p>
         </p:txBody>
@@ -3328,10 +6110,66 @@
         </p:nvSpPr>
         <p:spPr/>
         <p:txBody>
-          <a:bodyPr/>
-          <a:lstStyle/>
-          <a:p>
-            <a:endParaRPr lang="en-US"/>
+          <a:bodyPr>
+            <a:normAutofit/>
+          </a:bodyPr>
+          <a:lstStyle/>
+          <a:p>
+            <a:pPr marL="514350" indent="-514350">
+              <a:buFont typeface="+mj-lt"/>
+              <a:buAutoNum type="arabicPeriod"/>
+            </a:pPr>
+            <a:r>
+              <a:rPr lang="en-US" sz="3600" dirty="0" smtClean="0"/>
+              <a:t>Pick a project</a:t>
+            </a:r>
+          </a:p>
+          <a:p>
+            <a:pPr marL="514350" indent="-514350">
+              <a:buFont typeface="+mj-lt"/>
+              <a:buAutoNum type="arabicPeriod"/>
+            </a:pPr>
+            <a:r>
+              <a:rPr lang="en-US" sz="3600" dirty="0" smtClean="0"/>
+              <a:t>Come up with a 1 sentence problem statement</a:t>
+            </a:r>
+          </a:p>
+          <a:p>
+            <a:pPr lvl="1"/>
+            <a:r>
+              <a:rPr lang="en-US" sz="3200" dirty="0" smtClean="0"/>
+              <a:t>“This system will allow </a:t>
+            </a:r>
+            <a:r>
+              <a:rPr lang="en-US" sz="3200" dirty="0" smtClean="0"/>
+              <a:t>one user to play the game hangman”</a:t>
+            </a:r>
+            <a:endParaRPr lang="en-US" sz="3200" dirty="0" smtClean="0"/>
+          </a:p>
+          <a:p>
+            <a:pPr marL="514350" indent="-514350">
+              <a:buFont typeface="+mj-lt"/>
+              <a:buAutoNum type="arabicPeriod"/>
+            </a:pPr>
+            <a:r>
+              <a:rPr lang="en-US" sz="3600" dirty="0" smtClean="0"/>
+              <a:t>Explain your choice</a:t>
+            </a:r>
+          </a:p>
+          <a:p>
+            <a:pPr lvl="1"/>
+            <a:r>
+              <a:rPr lang="en-US" sz="3200" dirty="0" smtClean="0"/>
+              <a:t>Why did you choose this project?</a:t>
+            </a:r>
+          </a:p>
+          <a:p>
+            <a:pPr lvl="1"/>
+            <a:r>
+              <a:rPr lang="en-US" sz="3200" dirty="0" smtClean="0"/>
+              <a:t>How will you solve it?</a:t>
+            </a:r>
+            <a:endParaRPr lang="en-US" sz="3200" dirty="0"/>
           </a:p>
         </p:txBody>
       </p:sp>
@@ -3339,6 +6177,830 @@
     <p:extLst>
       <p:ext uri="{BB962C8B-B14F-4D97-AF65-F5344CB8AC3E}">
         <p14:creationId xmlns:p14="http://schemas.microsoft.com/office/powerpoint/2010/main" val="1927278467"/>
+      </p:ext>
+    </p:extLst>
+  </p:cSld>
+  <p:clrMapOvr>
+    <a:masterClrMapping/>
+  </p:clrMapOvr>
+</p:sld>
+</file>
+
+<file path=ppt/slides/slide6.xml><?xml version="1.0" encoding="utf-8"?>
+<p:sld xmlns:a="http://schemas.openxmlformats.org/drawingml/2006/main" xmlns:r="http://schemas.openxmlformats.org/officeDocument/2006/relationships" xmlns:p="http://schemas.openxmlformats.org/presentationml/2006/main">
+  <p:cSld>
+    <p:spTree>
+      <p:nvGrpSpPr>
+        <p:cNvPr id="1" name=""/>
+        <p:cNvGrpSpPr/>
+        <p:nvPr/>
+      </p:nvGrpSpPr>
+      <p:grpSpPr>
+        <a:xfrm>
+          <a:off x="0" y="0"/>
+          <a:ext cx="0" cy="0"/>
+          <a:chOff x="0" y="0"/>
+          <a:chExt cx="0" cy="0"/>
+        </a:xfrm>
+      </p:grpSpPr>
+      <p:sp>
+        <p:nvSpPr>
+          <p:cNvPr id="2" name="Title 1"/>
+          <p:cNvSpPr>
+            <a:spLocks noGrp="1"/>
+          </p:cNvSpPr>
+          <p:nvPr>
+            <p:ph type="title"/>
+          </p:nvPr>
+        </p:nvSpPr>
+        <p:spPr/>
+        <p:txBody>
+          <a:bodyPr/>
+          <a:lstStyle/>
+          <a:p>
+            <a:r>
+              <a:rPr lang="en-US" dirty="0" smtClean="0"/>
+              <a:t>Defining ”Top Level Requirements”</a:t>
+            </a:r>
+            <a:endParaRPr lang="en-US" dirty="0"/>
+          </a:p>
+        </p:txBody>
+      </p:sp>
+      <p:sp>
+        <p:nvSpPr>
+          <p:cNvPr id="3" name="Content Placeholder 2"/>
+          <p:cNvSpPr>
+            <a:spLocks noGrp="1"/>
+          </p:cNvSpPr>
+          <p:nvPr>
+            <p:ph idx="1"/>
+          </p:nvPr>
+        </p:nvSpPr>
+        <p:spPr/>
+        <p:txBody>
+          <a:bodyPr/>
+          <a:lstStyle/>
+          <a:p>
+            <a:r>
+              <a:rPr lang="en-US" dirty="0" smtClean="0"/>
+              <a:t>What are the things your system </a:t>
+            </a:r>
+            <a:r>
+              <a:rPr lang="en-US" b="1" dirty="0" smtClean="0"/>
+              <a:t>must</a:t>
+            </a:r>
+            <a:r>
+              <a:rPr lang="en-US" dirty="0" smtClean="0"/>
+              <a:t> do in order for it to work?</a:t>
+            </a:r>
+          </a:p>
+          <a:p>
+            <a:r>
+              <a:rPr lang="en-US" dirty="0"/>
+              <a:t>Remember, you don’t need to explain how to do it </a:t>
+            </a:r>
+            <a:r>
+              <a:rPr lang="mr-IN" dirty="0"/>
+              <a:t>–</a:t>
+            </a:r>
+            <a:r>
+              <a:rPr lang="en-US" dirty="0"/>
+              <a:t> just what it needs to do!</a:t>
+            </a:r>
+          </a:p>
+          <a:p>
+            <a:endParaRPr lang="en-US" dirty="0" smtClean="0"/>
+          </a:p>
+          <a:p>
+            <a:endParaRPr lang="en-US" dirty="0" smtClean="0"/>
+          </a:p>
+          <a:p>
+            <a:endParaRPr lang="en-US" dirty="0" smtClean="0"/>
+          </a:p>
+        </p:txBody>
+      </p:sp>
+    </p:spTree>
+    <p:extLst>
+      <p:ext uri="{BB962C8B-B14F-4D97-AF65-F5344CB8AC3E}">
+        <p14:creationId xmlns:p14="http://schemas.microsoft.com/office/powerpoint/2010/main" val="1214733692"/>
+      </p:ext>
+    </p:extLst>
+  </p:cSld>
+  <p:clrMapOvr>
+    <a:masterClrMapping/>
+  </p:clrMapOvr>
+</p:sld>
+</file>
+
+<file path=ppt/slides/slide7.xml><?xml version="1.0" encoding="utf-8"?>
+<p:sld xmlns:a="http://schemas.openxmlformats.org/drawingml/2006/main" xmlns:r="http://schemas.openxmlformats.org/officeDocument/2006/relationships" xmlns:p="http://schemas.openxmlformats.org/presentationml/2006/main">
+  <p:cSld>
+    <p:spTree>
+      <p:nvGrpSpPr>
+        <p:cNvPr id="1" name=""/>
+        <p:cNvGrpSpPr/>
+        <p:nvPr/>
+      </p:nvGrpSpPr>
+      <p:grpSpPr>
+        <a:xfrm>
+          <a:off x="0" y="0"/>
+          <a:ext cx="0" cy="0"/>
+          <a:chOff x="0" y="0"/>
+          <a:chExt cx="0" cy="0"/>
+        </a:xfrm>
+      </p:grpSpPr>
+      <p:sp>
+        <p:nvSpPr>
+          <p:cNvPr id="2" name="Title 1"/>
+          <p:cNvSpPr>
+            <a:spLocks noGrp="1"/>
+          </p:cNvSpPr>
+          <p:nvPr>
+            <p:ph type="title"/>
+          </p:nvPr>
+        </p:nvSpPr>
+        <p:spPr/>
+        <p:txBody>
+          <a:bodyPr/>
+          <a:lstStyle/>
+          <a:p>
+            <a:r>
+              <a:rPr lang="en-US" dirty="0" smtClean="0"/>
+              <a:t>Define Top Level Requirements</a:t>
+            </a:r>
+            <a:endParaRPr lang="en-US" dirty="0"/>
+          </a:p>
+        </p:txBody>
+      </p:sp>
+      <p:sp>
+        <p:nvSpPr>
+          <p:cNvPr id="3" name="Content Placeholder 2"/>
+          <p:cNvSpPr>
+            <a:spLocks noGrp="1"/>
+          </p:cNvSpPr>
+          <p:nvPr>
+            <p:ph idx="1"/>
+          </p:nvPr>
+        </p:nvSpPr>
+        <p:spPr>
+          <a:xfrm>
+            <a:off x="838200" y="1825625"/>
+            <a:ext cx="10515600" cy="4799764"/>
+          </a:xfrm>
+        </p:spPr>
+        <p:txBody>
+          <a:bodyPr>
+            <a:normAutofit fontScale="92500" lnSpcReduction="10000"/>
+          </a:bodyPr>
+          <a:lstStyle/>
+          <a:p>
+            <a:pPr marL="0" indent="0">
+              <a:buNone/>
+            </a:pPr>
+            <a:r>
+              <a:rPr lang="en-US" dirty="0" smtClean="0"/>
+              <a:t>Hangman Example:</a:t>
+            </a:r>
+          </a:p>
+          <a:p>
+            <a:pPr marL="514350" indent="-514350">
+              <a:buFont typeface="+mj-lt"/>
+              <a:buAutoNum type="arabicPeriod"/>
+            </a:pPr>
+            <a:r>
+              <a:rPr lang="en-US" dirty="0" smtClean="0"/>
+              <a:t>The system shall have one player</a:t>
+            </a:r>
+          </a:p>
+          <a:p>
+            <a:pPr marL="514350" indent="-514350">
+              <a:buFont typeface="+mj-lt"/>
+              <a:buAutoNum type="arabicPeriod"/>
+            </a:pPr>
+            <a:r>
+              <a:rPr lang="en-US" dirty="0" smtClean="0"/>
+              <a:t>The system shall have one secret word</a:t>
+            </a:r>
+          </a:p>
+          <a:p>
+            <a:pPr marL="514350" indent="-514350">
+              <a:buFont typeface="+mj-lt"/>
+              <a:buAutoNum type="arabicPeriod"/>
+            </a:pPr>
+            <a:r>
+              <a:rPr lang="en-US" dirty="0" smtClean="0"/>
+              <a:t>The system shall have a specified number of turns</a:t>
+            </a:r>
+          </a:p>
+          <a:p>
+            <a:pPr marL="514350" indent="-514350">
+              <a:buFont typeface="+mj-lt"/>
+              <a:buAutoNum type="arabicPeriod"/>
+            </a:pPr>
+            <a:r>
+              <a:rPr lang="en-US" dirty="0" smtClean="0"/>
+              <a:t>The player shall guess one letter each turn</a:t>
+            </a:r>
+          </a:p>
+          <a:p>
+            <a:pPr marL="514350" indent="-514350">
+              <a:buFont typeface="+mj-lt"/>
+              <a:buAutoNum type="arabicPeriod"/>
+            </a:pPr>
+            <a:r>
+              <a:rPr lang="en-US" dirty="0" smtClean="0"/>
+              <a:t>The player wins when they have guessed all the letters in the secret word, and have not used all of their turns</a:t>
+            </a:r>
+          </a:p>
+          <a:p>
+            <a:pPr marL="514350" indent="-514350">
+              <a:buFont typeface="+mj-lt"/>
+              <a:buAutoNum type="arabicPeriod"/>
+            </a:pPr>
+            <a:r>
+              <a:rPr lang="en-US" dirty="0" smtClean="0"/>
+              <a:t>The player loses when they used all of their turns, and the word has not been guessed</a:t>
+            </a:r>
+          </a:p>
+          <a:p>
+            <a:pPr marL="514350" indent="-514350">
+              <a:buFont typeface="+mj-lt"/>
+              <a:buAutoNum type="arabicPeriod"/>
+            </a:pPr>
+            <a:r>
+              <a:rPr lang="en-US" dirty="0" smtClean="0"/>
+              <a:t>The system shall output information about the player’s progress to the user</a:t>
+            </a:r>
+          </a:p>
+        </p:txBody>
+      </p:sp>
+    </p:spTree>
+    <p:extLst>
+      <p:ext uri="{BB962C8B-B14F-4D97-AF65-F5344CB8AC3E}">
+        <p14:creationId xmlns:p14="http://schemas.microsoft.com/office/powerpoint/2010/main" val="2049500215"/>
+      </p:ext>
+    </p:extLst>
+  </p:cSld>
+  <p:clrMapOvr>
+    <a:masterClrMapping/>
+  </p:clrMapOvr>
+</p:sld>
+</file>
+
+<file path=ppt/slides/slide8.xml><?xml version="1.0" encoding="utf-8"?>
+<p:sld xmlns:a="http://schemas.openxmlformats.org/drawingml/2006/main" xmlns:r="http://schemas.openxmlformats.org/officeDocument/2006/relationships" xmlns:p="http://schemas.openxmlformats.org/presentationml/2006/main">
+  <p:cSld>
+    <p:spTree>
+      <p:nvGrpSpPr>
+        <p:cNvPr id="1" name=""/>
+        <p:cNvGrpSpPr/>
+        <p:nvPr/>
+      </p:nvGrpSpPr>
+      <p:grpSpPr>
+        <a:xfrm>
+          <a:off x="0" y="0"/>
+          <a:ext cx="0" cy="0"/>
+          <a:chOff x="0" y="0"/>
+          <a:chExt cx="0" cy="0"/>
+        </a:xfrm>
+      </p:grpSpPr>
+      <p:sp>
+        <p:nvSpPr>
+          <p:cNvPr id="2" name="Title 1"/>
+          <p:cNvSpPr>
+            <a:spLocks noGrp="1"/>
+          </p:cNvSpPr>
+          <p:nvPr>
+            <p:ph type="title"/>
+          </p:nvPr>
+        </p:nvSpPr>
+        <p:spPr/>
+        <p:txBody>
+          <a:bodyPr/>
+          <a:lstStyle/>
+          <a:p>
+            <a:r>
+              <a:rPr lang="en-US" dirty="0" smtClean="0"/>
+              <a:t>Define your top level requirements</a:t>
+            </a:r>
+            <a:endParaRPr lang="en-US" dirty="0"/>
+          </a:p>
+        </p:txBody>
+      </p:sp>
+      <p:sp>
+        <p:nvSpPr>
+          <p:cNvPr id="3" name="Content Placeholder 2"/>
+          <p:cNvSpPr>
+            <a:spLocks noGrp="1"/>
+          </p:cNvSpPr>
+          <p:nvPr>
+            <p:ph idx="1"/>
+          </p:nvPr>
+        </p:nvSpPr>
+        <p:spPr/>
+        <p:txBody>
+          <a:bodyPr>
+            <a:normAutofit/>
+          </a:bodyPr>
+          <a:lstStyle/>
+          <a:p>
+            <a:r>
+              <a:rPr lang="en-US" sz="3200" dirty="0" smtClean="0"/>
+              <a:t>What are some things that your system </a:t>
+            </a:r>
+            <a:r>
+              <a:rPr lang="en-US" sz="3200" b="1" i="1" dirty="0" smtClean="0"/>
+              <a:t>must </a:t>
+            </a:r>
+            <a:r>
+              <a:rPr lang="en-US" sz="3200" dirty="0" smtClean="0"/>
+              <a:t>do in order for it to work?</a:t>
+            </a:r>
+          </a:p>
+          <a:p>
+            <a:r>
+              <a:rPr lang="en-US" sz="3200" dirty="0" smtClean="0"/>
+              <a:t>Remember, you don’t need to explain how to do it </a:t>
+            </a:r>
+            <a:r>
+              <a:rPr lang="mr-IN" sz="3200" dirty="0" smtClean="0"/>
+              <a:t>–</a:t>
+            </a:r>
+            <a:r>
+              <a:rPr lang="en-US" sz="3200" dirty="0" smtClean="0"/>
+              <a:t> just what it needs to do!</a:t>
+            </a:r>
+          </a:p>
+          <a:p>
+            <a:r>
+              <a:rPr lang="en-US" sz="3200" dirty="0" smtClean="0"/>
+              <a:t>Think of these as rules</a:t>
+            </a:r>
+            <a:endParaRPr lang="en-US" sz="3200" dirty="0"/>
+          </a:p>
+        </p:txBody>
+      </p:sp>
+    </p:spTree>
+    <p:extLst>
+      <p:ext uri="{BB962C8B-B14F-4D97-AF65-F5344CB8AC3E}">
+        <p14:creationId xmlns:p14="http://schemas.microsoft.com/office/powerpoint/2010/main" val="261235833"/>
+      </p:ext>
+    </p:extLst>
+  </p:cSld>
+  <p:clrMapOvr>
+    <a:masterClrMapping/>
+  </p:clrMapOvr>
+</p:sld>
+</file>
+
+<file path=ppt/slides/slide9.xml><?xml version="1.0" encoding="utf-8"?>
+<p:sld xmlns:a="http://schemas.openxmlformats.org/drawingml/2006/main" xmlns:r="http://schemas.openxmlformats.org/officeDocument/2006/relationships" xmlns:p="http://schemas.openxmlformats.org/presentationml/2006/main">
+  <p:cSld>
+    <p:spTree>
+      <p:nvGrpSpPr>
+        <p:cNvPr id="1" name=""/>
+        <p:cNvGrpSpPr/>
+        <p:nvPr/>
+      </p:nvGrpSpPr>
+      <p:grpSpPr>
+        <a:xfrm>
+          <a:off x="0" y="0"/>
+          <a:ext cx="0" cy="0"/>
+          <a:chOff x="0" y="0"/>
+          <a:chExt cx="0" cy="0"/>
+        </a:xfrm>
+      </p:grpSpPr>
+      <p:sp>
+        <p:nvSpPr>
+          <p:cNvPr id="2" name="Title 1"/>
+          <p:cNvSpPr>
+            <a:spLocks noGrp="1"/>
+          </p:cNvSpPr>
+          <p:nvPr>
+            <p:ph type="title"/>
+          </p:nvPr>
+        </p:nvSpPr>
+        <p:spPr/>
+        <p:txBody>
+          <a:bodyPr/>
+          <a:lstStyle/>
+          <a:p>
+            <a:r>
+              <a:rPr lang="en-US" dirty="0" smtClean="0"/>
+              <a:t>Create a Project Structure</a:t>
+            </a:r>
+            <a:endParaRPr lang="en-US" dirty="0"/>
+          </a:p>
+        </p:txBody>
+      </p:sp>
+      <p:sp>
+        <p:nvSpPr>
+          <p:cNvPr id="4" name="Rectangle 3"/>
+          <p:cNvSpPr/>
+          <p:nvPr/>
+        </p:nvSpPr>
+        <p:spPr>
+          <a:xfrm>
+            <a:off x="4165599" y="1887622"/>
+            <a:ext cx="3251200" cy="934720"/>
+          </a:xfrm>
+          <a:prstGeom prst="rect">
+            <a:avLst/>
+          </a:prstGeom>
+        </p:spPr>
+        <p:style>
+          <a:lnRef idx="2">
+            <a:schemeClr val="accent1">
+              <a:shade val="50000"/>
+            </a:schemeClr>
+          </a:lnRef>
+          <a:fillRef idx="1">
+            <a:schemeClr val="accent1"/>
+          </a:fillRef>
+          <a:effectRef idx="0">
+            <a:schemeClr val="accent1"/>
+          </a:effectRef>
+          <a:fontRef idx="minor">
+            <a:schemeClr val="lt1"/>
+          </a:fontRef>
+        </p:style>
+        <p:txBody>
+          <a:bodyPr rtlCol="0" anchor="ctr"/>
+          <a:lstStyle/>
+          <a:p>
+            <a:pPr algn="ctr"/>
+            <a:r>
+              <a:rPr lang="en-US" sz="3600" b="1" dirty="0" smtClean="0"/>
+              <a:t>Overall System</a:t>
+            </a:r>
+            <a:endParaRPr lang="en-US" sz="3600" b="1" dirty="0"/>
+          </a:p>
+        </p:txBody>
+      </p:sp>
+      <p:sp>
+        <p:nvSpPr>
+          <p:cNvPr id="5" name="Rectangle 4"/>
+          <p:cNvSpPr/>
+          <p:nvPr/>
+        </p:nvSpPr>
+        <p:spPr>
+          <a:xfrm>
+            <a:off x="1427746" y="3726581"/>
+            <a:ext cx="2534653" cy="1134003"/>
+          </a:xfrm>
+          <a:prstGeom prst="rect">
+            <a:avLst/>
+          </a:prstGeom>
+        </p:spPr>
+        <p:style>
+          <a:lnRef idx="2">
+            <a:schemeClr val="accent1">
+              <a:shade val="50000"/>
+            </a:schemeClr>
+          </a:lnRef>
+          <a:fillRef idx="1">
+            <a:schemeClr val="accent1"/>
+          </a:fillRef>
+          <a:effectRef idx="0">
+            <a:schemeClr val="accent1"/>
+          </a:effectRef>
+          <a:fontRef idx="minor">
+            <a:schemeClr val="lt1"/>
+          </a:fontRef>
+        </p:style>
+        <p:txBody>
+          <a:bodyPr rtlCol="0" anchor="ctr"/>
+          <a:lstStyle/>
+          <a:p>
+            <a:pPr algn="ctr"/>
+            <a:r>
+              <a:rPr lang="en-US" sz="2800" dirty="0" smtClean="0"/>
+              <a:t>Subsystem 1</a:t>
+            </a:r>
+            <a:endParaRPr lang="en-US" sz="2800" dirty="0"/>
+          </a:p>
+        </p:txBody>
+      </p:sp>
+      <p:cxnSp>
+        <p:nvCxnSpPr>
+          <p:cNvPr id="8" name="Straight Arrow Connector 7"/>
+          <p:cNvCxnSpPr/>
+          <p:nvPr/>
+        </p:nvCxnSpPr>
+        <p:spPr>
+          <a:xfrm>
+            <a:off x="5791199" y="2942516"/>
+            <a:ext cx="0" cy="784066"/>
+          </a:xfrm>
+          <a:prstGeom prst="straightConnector1">
+            <a:avLst/>
+          </a:prstGeom>
+          <a:ln w="107950">
+            <a:headEnd type="triangle"/>
+            <a:tailEnd type="triangle"/>
+          </a:ln>
+        </p:spPr>
+        <p:style>
+          <a:lnRef idx="1">
+            <a:schemeClr val="accent1"/>
+          </a:lnRef>
+          <a:fillRef idx="0">
+            <a:schemeClr val="accent1"/>
+          </a:fillRef>
+          <a:effectRef idx="0">
+            <a:schemeClr val="accent1"/>
+          </a:effectRef>
+          <a:fontRef idx="minor">
+            <a:schemeClr val="tx1"/>
+          </a:fontRef>
+        </p:style>
+      </p:cxnSp>
+      <p:cxnSp>
+        <p:nvCxnSpPr>
+          <p:cNvPr id="9" name="Straight Arrow Connector 8"/>
+          <p:cNvCxnSpPr/>
+          <p:nvPr/>
+        </p:nvCxnSpPr>
+        <p:spPr>
+          <a:xfrm flipH="1">
+            <a:off x="2834184" y="2942516"/>
+            <a:ext cx="2011453" cy="666240"/>
+          </a:xfrm>
+          <a:prstGeom prst="straightConnector1">
+            <a:avLst/>
+          </a:prstGeom>
+          <a:ln w="107950">
+            <a:headEnd type="triangle"/>
+            <a:tailEnd type="triangle"/>
+          </a:ln>
+        </p:spPr>
+        <p:style>
+          <a:lnRef idx="1">
+            <a:schemeClr val="accent1"/>
+          </a:lnRef>
+          <a:fillRef idx="0">
+            <a:schemeClr val="accent1"/>
+          </a:fillRef>
+          <a:effectRef idx="0">
+            <a:schemeClr val="accent1"/>
+          </a:effectRef>
+          <a:fontRef idx="minor">
+            <a:schemeClr val="tx1"/>
+          </a:fontRef>
+        </p:style>
+      </p:cxnSp>
+      <p:cxnSp>
+        <p:nvCxnSpPr>
+          <p:cNvPr id="10" name="Straight Arrow Connector 9"/>
+          <p:cNvCxnSpPr/>
+          <p:nvPr/>
+        </p:nvCxnSpPr>
+        <p:spPr>
+          <a:xfrm>
+            <a:off x="6878244" y="2931363"/>
+            <a:ext cx="2006675" cy="677393"/>
+          </a:xfrm>
+          <a:prstGeom prst="straightConnector1">
+            <a:avLst/>
+          </a:prstGeom>
+          <a:ln w="107950">
+            <a:headEnd type="triangle"/>
+            <a:tailEnd type="triangle"/>
+          </a:ln>
+        </p:spPr>
+        <p:style>
+          <a:lnRef idx="1">
+            <a:schemeClr val="accent1"/>
+          </a:lnRef>
+          <a:fillRef idx="0">
+            <a:schemeClr val="accent1"/>
+          </a:fillRef>
+          <a:effectRef idx="0">
+            <a:schemeClr val="accent1"/>
+          </a:effectRef>
+          <a:fontRef idx="minor">
+            <a:schemeClr val="tx1"/>
+          </a:fontRef>
+        </p:style>
+      </p:cxnSp>
+      <p:sp>
+        <p:nvSpPr>
+          <p:cNvPr id="11" name="TextBox 10"/>
+          <p:cNvSpPr txBox="1"/>
+          <p:nvPr/>
+        </p:nvSpPr>
+        <p:spPr>
+          <a:xfrm>
+            <a:off x="7539786" y="2191219"/>
+            <a:ext cx="2977482" cy="461665"/>
+          </a:xfrm>
+          <a:prstGeom prst="rect">
+            <a:avLst/>
+          </a:prstGeom>
+          <a:noFill/>
+        </p:spPr>
+        <p:txBody>
+          <a:bodyPr wrap="none" rtlCol="0">
+            <a:spAutoFit/>
+          </a:bodyPr>
+          <a:lstStyle/>
+          <a:p>
+            <a:r>
+              <a:rPr lang="en-US" sz="2400" dirty="0" smtClean="0">
+                <a:sym typeface="Wingdings"/>
+              </a:rPr>
+              <a:t> </a:t>
+            </a:r>
+            <a:r>
+              <a:rPr lang="en-US" sz="2400" dirty="0" smtClean="0"/>
+              <a:t>Problem Statement</a:t>
+            </a:r>
+            <a:endParaRPr lang="en-US" sz="2400" dirty="0"/>
+          </a:p>
+        </p:txBody>
+      </p:sp>
+      <p:sp>
+        <p:nvSpPr>
+          <p:cNvPr id="13" name="TextBox 12"/>
+          <p:cNvSpPr txBox="1"/>
+          <p:nvPr/>
+        </p:nvSpPr>
+        <p:spPr>
+          <a:xfrm>
+            <a:off x="1365896" y="4867668"/>
+            <a:ext cx="2575192" cy="523220"/>
+          </a:xfrm>
+          <a:prstGeom prst="rect">
+            <a:avLst/>
+          </a:prstGeom>
+          <a:noFill/>
+        </p:spPr>
+        <p:txBody>
+          <a:bodyPr wrap="none" rtlCol="0">
+            <a:spAutoFit/>
+          </a:bodyPr>
+          <a:lstStyle/>
+          <a:p>
+            <a:r>
+              <a:rPr lang="en-US" sz="2800" dirty="0" smtClean="0"/>
+              <a:t>Team Member 1</a:t>
+            </a:r>
+            <a:endParaRPr lang="en-US" sz="2800" dirty="0"/>
+          </a:p>
+        </p:txBody>
+      </p:sp>
+      <p:sp>
+        <p:nvSpPr>
+          <p:cNvPr id="16" name="Rectangle 15"/>
+          <p:cNvSpPr/>
+          <p:nvPr/>
+        </p:nvSpPr>
+        <p:spPr>
+          <a:xfrm>
+            <a:off x="4523872" y="3733665"/>
+            <a:ext cx="2534653" cy="1134003"/>
+          </a:xfrm>
+          <a:prstGeom prst="rect">
+            <a:avLst/>
+          </a:prstGeom>
+        </p:spPr>
+        <p:style>
+          <a:lnRef idx="2">
+            <a:schemeClr val="accent1">
+              <a:shade val="50000"/>
+            </a:schemeClr>
+          </a:lnRef>
+          <a:fillRef idx="1">
+            <a:schemeClr val="accent1"/>
+          </a:fillRef>
+          <a:effectRef idx="0">
+            <a:schemeClr val="accent1"/>
+          </a:effectRef>
+          <a:fontRef idx="minor">
+            <a:schemeClr val="lt1"/>
+          </a:fontRef>
+        </p:style>
+        <p:txBody>
+          <a:bodyPr rtlCol="0" anchor="ctr"/>
+          <a:lstStyle/>
+          <a:p>
+            <a:pPr algn="ctr"/>
+            <a:r>
+              <a:rPr lang="en-US" sz="2800" dirty="0" smtClean="0"/>
+              <a:t>Subsystem 2</a:t>
+            </a:r>
+            <a:endParaRPr lang="en-US" sz="2800" dirty="0"/>
+          </a:p>
+        </p:txBody>
+      </p:sp>
+      <p:sp>
+        <p:nvSpPr>
+          <p:cNvPr id="17" name="Rectangle 16"/>
+          <p:cNvSpPr/>
+          <p:nvPr/>
+        </p:nvSpPr>
+        <p:spPr>
+          <a:xfrm>
+            <a:off x="7619998" y="3733665"/>
+            <a:ext cx="2534653" cy="1134003"/>
+          </a:xfrm>
+          <a:prstGeom prst="rect">
+            <a:avLst/>
+          </a:prstGeom>
+        </p:spPr>
+        <p:style>
+          <a:lnRef idx="2">
+            <a:schemeClr val="accent1">
+              <a:shade val="50000"/>
+            </a:schemeClr>
+          </a:lnRef>
+          <a:fillRef idx="1">
+            <a:schemeClr val="accent1"/>
+          </a:fillRef>
+          <a:effectRef idx="0">
+            <a:schemeClr val="accent1"/>
+          </a:effectRef>
+          <a:fontRef idx="minor">
+            <a:schemeClr val="lt1"/>
+          </a:fontRef>
+        </p:style>
+        <p:txBody>
+          <a:bodyPr rtlCol="0" anchor="ctr"/>
+          <a:lstStyle/>
+          <a:p>
+            <a:pPr algn="ctr"/>
+            <a:r>
+              <a:rPr lang="en-US" sz="2800" dirty="0" smtClean="0"/>
+              <a:t>Subsystem 3</a:t>
+            </a:r>
+            <a:endParaRPr lang="en-US" sz="2800" dirty="0"/>
+          </a:p>
+        </p:txBody>
+      </p:sp>
+      <p:sp>
+        <p:nvSpPr>
+          <p:cNvPr id="18" name="TextBox 17"/>
+          <p:cNvSpPr txBox="1"/>
+          <p:nvPr/>
+        </p:nvSpPr>
+        <p:spPr>
+          <a:xfrm>
+            <a:off x="4483333" y="4874751"/>
+            <a:ext cx="2575192" cy="523220"/>
+          </a:xfrm>
+          <a:prstGeom prst="rect">
+            <a:avLst/>
+          </a:prstGeom>
+          <a:noFill/>
+        </p:spPr>
+        <p:txBody>
+          <a:bodyPr wrap="none" rtlCol="0">
+            <a:spAutoFit/>
+          </a:bodyPr>
+          <a:lstStyle/>
+          <a:p>
+            <a:r>
+              <a:rPr lang="en-US" sz="2800" dirty="0" smtClean="0"/>
+              <a:t>Team Member 2</a:t>
+            </a:r>
+            <a:endParaRPr lang="en-US" sz="2800" dirty="0"/>
+          </a:p>
+        </p:txBody>
+      </p:sp>
+      <p:sp>
+        <p:nvSpPr>
+          <p:cNvPr id="19" name="TextBox 18"/>
+          <p:cNvSpPr txBox="1"/>
+          <p:nvPr/>
+        </p:nvSpPr>
+        <p:spPr>
+          <a:xfrm>
+            <a:off x="7619998" y="4849431"/>
+            <a:ext cx="2575192" cy="523220"/>
+          </a:xfrm>
+          <a:prstGeom prst="rect">
+            <a:avLst/>
+          </a:prstGeom>
+          <a:noFill/>
+        </p:spPr>
+        <p:txBody>
+          <a:bodyPr wrap="none" rtlCol="0">
+            <a:spAutoFit/>
+          </a:bodyPr>
+          <a:lstStyle/>
+          <a:p>
+            <a:r>
+              <a:rPr lang="en-US" sz="2800" dirty="0" smtClean="0"/>
+              <a:t>Team Member 3</a:t>
+            </a:r>
+            <a:endParaRPr lang="en-US" sz="2800" dirty="0"/>
+          </a:p>
+        </p:txBody>
+      </p:sp>
+    </p:spTree>
+    <p:extLst>
+      <p:ext uri="{BB962C8B-B14F-4D97-AF65-F5344CB8AC3E}">
+        <p14:creationId xmlns:p14="http://schemas.microsoft.com/office/powerpoint/2010/main" val="2066873005"/>
       </p:ext>
     </p:extLst>
   </p:cSld>
@@ -3607,4 +7269,265 @@
     </a:ext>
   </a:extLst>
 </a:theme>
+</file>
+
+<file path=ppt/theme/theme2.xml><?xml version="1.0" encoding="utf-8"?>
+<a:theme xmlns:a="http://schemas.openxmlformats.org/drawingml/2006/main" name="Office Theme">
+  <a:themeElements>
+    <a:clrScheme name="Office">
+      <a:dk1>
+        <a:sysClr val="windowText" lastClr="000000"/>
+      </a:dk1>
+      <a:lt1>
+        <a:sysClr val="window" lastClr="FFFFFF"/>
+      </a:lt1>
+      <a:dk2>
+        <a:srgbClr val="44546A"/>
+      </a:dk2>
+      <a:lt2>
+        <a:srgbClr val="E7E6E6"/>
+      </a:lt2>
+      <a:accent1>
+        <a:srgbClr val="4472C4"/>
+      </a:accent1>
+      <a:accent2>
+        <a:srgbClr val="ED7D31"/>
+      </a:accent2>
+      <a:accent3>
+        <a:srgbClr val="A5A5A5"/>
+      </a:accent3>
+      <a:accent4>
+        <a:srgbClr val="FFC000"/>
+      </a:accent4>
+      <a:accent5>
+        <a:srgbClr val="5B9BD5"/>
+      </a:accent5>
+      <a:accent6>
+        <a:srgbClr val="70AD47"/>
+      </a:accent6>
+      <a:hlink>
+        <a:srgbClr val="0563C1"/>
+      </a:hlink>
+      <a:folHlink>
+        <a:srgbClr val="954F72"/>
+      </a:folHlink>
+    </a:clrScheme>
+    <a:fontScheme name="Office">
+      <a:majorFont>
+        <a:latin typeface="Calibri Light" panose="020F0302020204030204"/>
+        <a:ea typeface=""/>
+        <a:cs typeface=""/>
+        <a:font script="Jpan" typeface="Yu Gothic Light"/>
+        <a:font script="Hang" typeface="맑은 고딕"/>
+        <a:font script="Hans" typeface="DengXian Light"/>
+        <a:font script="Hant" typeface="新細明體"/>
+        <a:font script="Arab" typeface="Times New Roman"/>
+        <a:font script="Hebr" typeface="Times New Roman"/>
+        <a:font script="Thai" typeface="Angsana New"/>
+        <a:font script="Ethi" typeface="Nyala"/>
+        <a:font script="Beng" typeface="Vrinda"/>
+        <a:font script="Gujr" typeface="Shruti"/>
+        <a:font script="Khmr" typeface="MoolBoran"/>
+        <a:font script="Knda" typeface="Tunga"/>
+        <a:font script="Guru" typeface="Raavi"/>
+        <a:font script="Cans" typeface="Euphemia"/>
+        <a:font script="Cher" typeface="Plantagenet Cherokee"/>
+        <a:font script="Yiii" typeface="Microsoft Yi Baiti"/>
+        <a:font script="Tibt" typeface="Microsoft Himalaya"/>
+        <a:font script="Thaa" typeface="MV Boli"/>
+        <a:font script="Deva" typeface="Mangal"/>
+        <a:font script="Telu" typeface="Gautami"/>
+        <a:font script="Taml" typeface="Latha"/>
+        <a:font script="Syrc" typeface="Estrangelo Edessa"/>
+        <a:font script="Orya" typeface="Kalinga"/>
+        <a:font script="Mlym" typeface="Kartika"/>
+        <a:font script="Laoo" typeface="DokChampa"/>
+        <a:font script="Sinh" typeface="Iskoola Pota"/>
+        <a:font script="Mong" typeface="Mongolian Baiti"/>
+        <a:font script="Viet" typeface="Times New Roman"/>
+        <a:font script="Uigh" typeface="Microsoft Uighur"/>
+        <a:font script="Geor" typeface="Sylfaen"/>
+      </a:majorFont>
+      <a:minorFont>
+        <a:latin typeface="Calibri" panose="020F0502020204030204"/>
+        <a:ea typeface=""/>
+        <a:cs typeface=""/>
+        <a:font script="Jpan" typeface="Yu Gothic"/>
+        <a:font script="Hang" typeface="맑은 고딕"/>
+        <a:font script="Hans" typeface="DengXian"/>
+        <a:font script="Hant" typeface="新細明體"/>
+        <a:font script="Arab" typeface="Arial"/>
+        <a:font script="Hebr" typeface="Arial"/>
+        <a:font script="Thai" typeface="Cordia New"/>
+        <a:font script="Ethi" typeface="Nyala"/>
+        <a:font script="Beng" typeface="Vrinda"/>
+        <a:font script="Gujr" typeface="Shruti"/>
+        <a:font script="Khmr" typeface="DaunPenh"/>
+        <a:font script="Knda" typeface="Tunga"/>
+        <a:font script="Guru" typeface="Raavi"/>
+        <a:font script="Cans" typeface="Euphemia"/>
+        <a:font script="Cher" typeface="Plantagenet Cherokee"/>
+        <a:font script="Yiii" typeface="Microsoft Yi Baiti"/>
+        <a:font script="Tibt" typeface="Microsoft Himalaya"/>
+        <a:font script="Thaa" typeface="MV Boli"/>
+        <a:font script="Deva" typeface="Mangal"/>
+        <a:font script="Telu" typeface="Gautami"/>
+        <a:font script="Taml" typeface="Latha"/>
+        <a:font script="Syrc" typeface="Estrangelo Edessa"/>
+        <a:font script="Orya" typeface="Kalinga"/>
+        <a:font script="Mlym" typeface="Kartika"/>
+        <a:font script="Laoo" typeface="DokChampa"/>
+        <a:font script="Sinh" typeface="Iskoola Pota"/>
+        <a:font script="Mong" typeface="Mongolian Baiti"/>
+        <a:font script="Viet" typeface="Arial"/>
+        <a:font script="Uigh" typeface="Microsoft Uighur"/>
+        <a:font script="Geor" typeface="Sylfaen"/>
+      </a:minorFont>
+    </a:fontScheme>
+    <a:fmtScheme name="Office">
+      <a:fillStyleLst>
+        <a:solidFill>
+          <a:schemeClr val="phClr"/>
+        </a:solidFill>
+        <a:gradFill rotWithShape="1">
+          <a:gsLst>
+            <a:gs pos="0">
+              <a:schemeClr val="phClr">
+                <a:lumMod val="110000"/>
+                <a:satMod val="105000"/>
+                <a:tint val="67000"/>
+              </a:schemeClr>
+            </a:gs>
+            <a:gs pos="50000">
+              <a:schemeClr val="phClr">
+                <a:lumMod val="105000"/>
+                <a:satMod val="103000"/>
+                <a:tint val="73000"/>
+              </a:schemeClr>
+            </a:gs>
+            <a:gs pos="100000">
+              <a:schemeClr val="phClr">
+                <a:lumMod val="105000"/>
+                <a:satMod val="109000"/>
+                <a:tint val="81000"/>
+              </a:schemeClr>
+            </a:gs>
+          </a:gsLst>
+          <a:lin ang="5400000" scaled="0"/>
+        </a:gradFill>
+        <a:gradFill rotWithShape="1">
+          <a:gsLst>
+            <a:gs pos="0">
+              <a:schemeClr val="phClr">
+                <a:satMod val="103000"/>
+                <a:lumMod val="102000"/>
+                <a:tint val="94000"/>
+              </a:schemeClr>
+            </a:gs>
+            <a:gs pos="50000">
+              <a:schemeClr val="phClr">
+                <a:satMod val="110000"/>
+                <a:lumMod val="100000"/>
+                <a:shade val="100000"/>
+              </a:schemeClr>
+            </a:gs>
+            <a:gs pos="100000">
+              <a:schemeClr val="phClr">
+                <a:lumMod val="99000"/>
+                <a:satMod val="120000"/>
+                <a:shade val="78000"/>
+              </a:schemeClr>
+            </a:gs>
+          </a:gsLst>
+          <a:lin ang="5400000" scaled="0"/>
+        </a:gradFill>
+      </a:fillStyleLst>
+      <a:lnStyleLst>
+        <a:ln w="6350" cap="flat" cmpd="sng" algn="ctr">
+          <a:solidFill>
+            <a:schemeClr val="phClr"/>
+          </a:solidFill>
+          <a:prstDash val="solid"/>
+          <a:miter lim="800000"/>
+        </a:ln>
+        <a:ln w="12700" cap="flat" cmpd="sng" algn="ctr">
+          <a:solidFill>
+            <a:schemeClr val="phClr"/>
+          </a:solidFill>
+          <a:prstDash val="solid"/>
+          <a:miter lim="800000"/>
+        </a:ln>
+        <a:ln w="19050" cap="flat" cmpd="sng" algn="ctr">
+          <a:solidFill>
+            <a:schemeClr val="phClr"/>
+          </a:solidFill>
+          <a:prstDash val="solid"/>
+          <a:miter lim="800000"/>
+        </a:ln>
+      </a:lnStyleLst>
+      <a:effectStyleLst>
+        <a:effectStyle>
+          <a:effectLst/>
+        </a:effectStyle>
+        <a:effectStyle>
+          <a:effectLst/>
+        </a:effectStyle>
+        <a:effectStyle>
+          <a:effectLst>
+            <a:outerShdw blurRad="57150" dist="19050" dir="5400000" algn="ctr" rotWithShape="0">
+              <a:srgbClr val="000000">
+                <a:alpha val="63000"/>
+              </a:srgbClr>
+            </a:outerShdw>
+          </a:effectLst>
+        </a:effectStyle>
+      </a:effectStyleLst>
+      <a:bgFillStyleLst>
+        <a:solidFill>
+          <a:schemeClr val="phClr"/>
+        </a:solidFill>
+        <a:solidFill>
+          <a:schemeClr val="phClr">
+            <a:tint val="95000"/>
+            <a:satMod val="170000"/>
+          </a:schemeClr>
+        </a:solidFill>
+        <a:gradFill rotWithShape="1">
+          <a:gsLst>
+            <a:gs pos="0">
+              <a:schemeClr val="phClr">
+                <a:tint val="93000"/>
+                <a:satMod val="150000"/>
+                <a:shade val="98000"/>
+                <a:lumMod val="102000"/>
+              </a:schemeClr>
+            </a:gs>
+            <a:gs pos="50000">
+              <a:schemeClr val="phClr">
+                <a:tint val="98000"/>
+                <a:satMod val="130000"/>
+                <a:shade val="90000"/>
+                <a:lumMod val="103000"/>
+              </a:schemeClr>
+            </a:gs>
+            <a:gs pos="100000">
+              <a:schemeClr val="phClr">
+                <a:shade val="63000"/>
+                <a:satMod val="120000"/>
+              </a:schemeClr>
+            </a:gs>
+          </a:gsLst>
+          <a:lin ang="5400000" scaled="0"/>
+        </a:gradFill>
+      </a:bgFillStyleLst>
+    </a:fmtScheme>
+  </a:themeElements>
+  <a:objectDefaults/>
+  <a:extraClrSchemeLst/>
+  <a:extLst>
+    <a:ext uri="{05A4C25C-085E-4340-85A3-A5531E510DB2}">
+      <thm15:themeFamily xmlns:thm15="http://schemas.microsoft.com/office/thememl/2012/main" name="Office Theme" id="{62F939B6-93AF-4DB8-9C6B-D6C7DFDC589F}" vid="{4A3C46E8-61CC-4603-A589-7422A47A8E4A}"/>
+    </a:ext>
+  </a:extLst>
+</a:theme>
 </file>
--- a/presentations/archive/Engineering III.pptx
+++ b/presentations/archive/Engineering III.pptx
@@ -21,7 +21,7 @@
     <p:sldId id="267" r:id="rId12"/>
     <p:sldId id="265" r:id="rId13"/>
     <p:sldId id="268" r:id="rId14"/>
-    <p:sldId id="269" r:id="rId15"/>
+    <p:sldId id="270" r:id="rId15"/>
   </p:sldIdLst>
   <p:sldSz cx="12192000" cy="6858000"/>
   <p:notesSz cx="6858000" cy="9144000"/>
@@ -210,7 +210,7 @@
           <a:p>
             <a:fld id="{E7F97D24-4BC1-224C-82E1-D344B6EBAC42}" type="datetimeFigureOut">
               <a:rPr lang="en-US" smtClean="0"/>
-              <a:t>1/17/18</a:t>
+              <a:t>1/18/18</a:t>
             </a:fld>
             <a:endParaRPr lang="en-US"/>
           </a:p>
@@ -634,13 +634,8 @@
             </a:r>
             <a:r>
               <a:rPr lang="en-US" sz="2800" dirty="0" smtClean="0"/>
-              <a:t> enable an </a:t>
-            </a:r>
-            <a:r>
-              <a:rPr lang="en-US" sz="2800" dirty="0" smtClean="0"/>
-              <a:t>AI</a:t>
-            </a:r>
-            <a:endParaRPr lang="en-US" sz="2800" dirty="0" smtClean="0"/>
+              <a:t> enable an AI</a:t>
+            </a:r>
           </a:p>
           <a:p>
             <a:pPr marL="514350" lvl="0" indent="-514350">
@@ -728,11 +723,7 @@
             </a:pPr>
             <a:r>
               <a:rPr lang="en-US" sz="2800" baseline="0" dirty="0" smtClean="0"/>
-              <a:t>Output all English anagrams of </a:t>
-            </a:r>
-            <a:r>
-              <a:rPr lang="en-US" sz="2800" baseline="0" dirty="0" smtClean="0"/>
-              <a:t>word</a:t>
+              <a:t>Output all English anagrams of word</a:t>
             </a:r>
           </a:p>
           <a:p>
@@ -752,17 +743,53 @@
               <a:rPr lang="en-US" sz="2800" baseline="0" dirty="0" smtClean="0"/>
               <a:t> dogs --&gt; gods</a:t>
             </a:r>
-            <a:endParaRPr lang="en-US" sz="2800" baseline="0" dirty="0" smtClean="0"/>
           </a:p>
           <a:p>
             <a:pPr marL="514350" lvl="0" indent="-514350">
               <a:buFont typeface="+mj-lt"/>
               <a:buAutoNum type="arabicPeriod"/>
             </a:pPr>
-            <a:endParaRPr lang="en-US" sz="2800" dirty="0" smtClean="0"/>
-          </a:p>
-          <a:p>
-            <a:endParaRPr lang="en-US" dirty="0"/>
+            <a:r>
+              <a:rPr lang="en-US" sz="2800" baseline="0" dirty="0" smtClean="0"/>
+              <a:t>Text analysis</a:t>
+            </a:r>
+          </a:p>
+          <a:p>
+            <a:pPr marL="971550" lvl="1" indent="-514350">
+              <a:buFont typeface="+mj-lt"/>
+              <a:buAutoNum type="arabicPeriod"/>
+            </a:pPr>
+            <a:r>
+              <a:rPr lang="en-US" sz="2800" baseline="0" dirty="0" smtClean="0"/>
+              <a:t>Palindromes</a:t>
+            </a:r>
+          </a:p>
+          <a:p>
+            <a:pPr marL="971550" lvl="1" indent="-514350">
+              <a:buFont typeface="+mj-lt"/>
+              <a:buAutoNum type="arabicPeriod"/>
+            </a:pPr>
+            <a:r>
+              <a:rPr lang="en-US" sz="2800" baseline="0" dirty="0" smtClean="0"/>
+              <a:t>word count</a:t>
+            </a:r>
+          </a:p>
+          <a:p>
+            <a:pPr marL="971550" lvl="1" indent="-514350">
+              <a:buFont typeface="+mj-lt"/>
+              <a:buAutoNum type="arabicPeriod"/>
+            </a:pPr>
+            <a:r>
+              <a:rPr lang="en-US" sz="2800" baseline="0" dirty="0" smtClean="0"/>
+              <a:t>letter count</a:t>
+            </a:r>
+          </a:p>
+          <a:p>
+            <a:pPr marL="971550" lvl="1" indent="-514350">
+              <a:buFont typeface="+mj-lt"/>
+              <a:buAutoNum type="arabicPeriod"/>
+            </a:pPr>
+            <a:endParaRPr lang="en-US" sz="2800" baseline="0" dirty="0" smtClean="0"/>
           </a:p>
         </p:txBody>
       </p:sp>
@@ -1017,7 +1044,7 @@
           <a:p>
             <a:fld id="{DC737DA3-2EDF-F54A-9D11-7E1456C3BA9A}" type="datetimeFigureOut">
               <a:rPr lang="en-US" smtClean="0"/>
-              <a:t>1/17/18</a:t>
+              <a:t>1/18/18</a:t>
             </a:fld>
             <a:endParaRPr lang="en-US"/>
           </a:p>
@@ -1187,7 +1214,7 @@
           <a:p>
             <a:fld id="{DC737DA3-2EDF-F54A-9D11-7E1456C3BA9A}" type="datetimeFigureOut">
               <a:rPr lang="en-US" smtClean="0"/>
-              <a:t>1/17/18</a:t>
+              <a:t>1/18/18</a:t>
             </a:fld>
             <a:endParaRPr lang="en-US"/>
           </a:p>
@@ -1367,7 +1394,7 @@
           <a:p>
             <a:fld id="{DC737DA3-2EDF-F54A-9D11-7E1456C3BA9A}" type="datetimeFigureOut">
               <a:rPr lang="en-US" smtClean="0"/>
-              <a:t>1/17/18</a:t>
+              <a:t>1/18/18</a:t>
             </a:fld>
             <a:endParaRPr lang="en-US"/>
           </a:p>
@@ -1537,7 +1564,7 @@
           <a:p>
             <a:fld id="{DC737DA3-2EDF-F54A-9D11-7E1456C3BA9A}" type="datetimeFigureOut">
               <a:rPr lang="en-US" smtClean="0"/>
-              <a:t>1/17/18</a:t>
+              <a:t>1/18/18</a:t>
             </a:fld>
             <a:endParaRPr lang="en-US"/>
           </a:p>
@@ -1783,7 +1810,7 @@
           <a:p>
             <a:fld id="{DC737DA3-2EDF-F54A-9D11-7E1456C3BA9A}" type="datetimeFigureOut">
               <a:rPr lang="en-US" smtClean="0"/>
-              <a:t>1/17/18</a:t>
+              <a:t>1/18/18</a:t>
             </a:fld>
             <a:endParaRPr lang="en-US"/>
           </a:p>
@@ -2015,7 +2042,7 @@
           <a:p>
             <a:fld id="{DC737DA3-2EDF-F54A-9D11-7E1456C3BA9A}" type="datetimeFigureOut">
               <a:rPr lang="en-US" smtClean="0"/>
-              <a:t>1/17/18</a:t>
+              <a:t>1/18/18</a:t>
             </a:fld>
             <a:endParaRPr lang="en-US"/>
           </a:p>
@@ -2382,7 +2409,7 @@
           <a:p>
             <a:fld id="{DC737DA3-2EDF-F54A-9D11-7E1456C3BA9A}" type="datetimeFigureOut">
               <a:rPr lang="en-US" smtClean="0"/>
-              <a:t>1/17/18</a:t>
+              <a:t>1/18/18</a:t>
             </a:fld>
             <a:endParaRPr lang="en-US"/>
           </a:p>
@@ -2500,7 +2527,7 @@
           <a:p>
             <a:fld id="{DC737DA3-2EDF-F54A-9D11-7E1456C3BA9A}" type="datetimeFigureOut">
               <a:rPr lang="en-US" smtClean="0"/>
-              <a:t>1/17/18</a:t>
+              <a:t>1/18/18</a:t>
             </a:fld>
             <a:endParaRPr lang="en-US"/>
           </a:p>
@@ -2595,7 +2622,7 @@
           <a:p>
             <a:fld id="{DC737DA3-2EDF-F54A-9D11-7E1456C3BA9A}" type="datetimeFigureOut">
               <a:rPr lang="en-US" smtClean="0"/>
-              <a:t>1/17/18</a:t>
+              <a:t>1/18/18</a:t>
             </a:fld>
             <a:endParaRPr lang="en-US"/>
           </a:p>
@@ -2872,7 +2899,7 @@
           <a:p>
             <a:fld id="{DC737DA3-2EDF-F54A-9D11-7E1456C3BA9A}" type="datetimeFigureOut">
               <a:rPr lang="en-US" smtClean="0"/>
-              <a:t>1/17/18</a:t>
+              <a:t>1/18/18</a:t>
             </a:fld>
             <a:endParaRPr lang="en-US"/>
           </a:p>
@@ -3125,7 +3152,7 @@
           <a:p>
             <a:fld id="{DC737DA3-2EDF-F54A-9D11-7E1456C3BA9A}" type="datetimeFigureOut">
               <a:rPr lang="en-US" smtClean="0"/>
-              <a:t>1/17/18</a:t>
+              <a:t>1/18/18</a:t>
             </a:fld>
             <a:endParaRPr lang="en-US"/>
           </a:p>
@@ -3338,7 +3365,7 @@
           <a:p>
             <a:fld id="{DC737DA3-2EDF-F54A-9D11-7E1456C3BA9A}" type="datetimeFigureOut">
               <a:rPr lang="en-US" smtClean="0"/>
-              <a:t>1/17/18</a:t>
+              <a:t>1/18/18</a:t>
             </a:fld>
             <a:endParaRPr lang="en-US"/>
           </a:p>
@@ -4032,7 +4059,6 @@
               <a:rPr lang="en-US" sz="2100" dirty="0" smtClean="0"/>
               <a:t>The system shall output information about the player’s progress to the user</a:t>
             </a:r>
-            <a:endParaRPr lang="en-US" sz="2100" dirty="0" smtClean="0"/>
           </a:p>
         </p:txBody>
       </p:sp>
@@ -4697,15 +4723,7 @@
           <a:p>
             <a:r>
               <a:rPr lang="en-US" smtClean="0"/>
-              <a:t>Define Subsyste</a:t>
-            </a:r>
-            <a:r>
-              <a:rPr lang="en-US" smtClean="0"/>
-              <a:t>m Requirements</a:t>
-            </a:r>
-            <a:r>
-              <a:rPr lang="en-US" smtClean="0"/>
-              <a:t> </a:t>
+              <a:t>Define Subsystem Requirements </a:t>
             </a:r>
             <a:endParaRPr lang="en-US" dirty="0"/>
           </a:p>
@@ -5586,7 +5604,15 @@
           <a:p>
             <a:r>
               <a:rPr lang="en-US" dirty="0" smtClean="0"/>
-              <a:t>Prepare for Preliminary Design Review - PDR</a:t>
+              <a:t>Presenting PDR </a:t>
+            </a:r>
+            <a:r>
+              <a:rPr lang="mr-IN" dirty="0" smtClean="0"/>
+              <a:t>–</a:t>
+            </a:r>
+            <a:r>
+              <a:rPr lang="en-US" dirty="0" smtClean="0"/>
+              <a:t> What to Include</a:t>
             </a:r>
             <a:endParaRPr lang="en-US" dirty="0"/>
           </a:p>
@@ -5602,7 +5628,12 @@
             <p:ph idx="1"/>
           </p:nvPr>
         </p:nvSpPr>
-        <p:spPr/>
+        <p:spPr>
+          <a:xfrm>
+            <a:off x="838200" y="1825625"/>
+            <a:ext cx="10515600" cy="2982349"/>
+          </a:xfrm>
+        </p:spPr>
         <p:txBody>
           <a:bodyPr/>
           <a:lstStyle/>
@@ -5613,7 +5644,7 @@
             </a:pPr>
             <a:r>
               <a:rPr lang="en-US" dirty="0" smtClean="0"/>
-              <a:t>What is your problem statement?</a:t>
+              <a:t>Team name</a:t>
             </a:r>
           </a:p>
           <a:p>
@@ -5623,7 +5654,7 @@
             </a:pPr>
             <a:r>
               <a:rPr lang="en-US" dirty="0" smtClean="0"/>
-              <a:t>What are your top level requirements?</a:t>
+              <a:t>Problem Statement / what are you making?</a:t>
             </a:r>
           </a:p>
           <a:p>
@@ -5633,7 +5664,7 @@
             </a:pPr>
             <a:r>
               <a:rPr lang="en-US" dirty="0" smtClean="0"/>
-              <a:t>What is your project structure / what are your subsystems?</a:t>
+              <a:t>Top Level Requirements</a:t>
             </a:r>
           </a:p>
           <a:p>
@@ -5643,7 +5674,7 @@
             </a:pPr>
             <a:r>
               <a:rPr lang="en-US" dirty="0" smtClean="0"/>
-              <a:t>What are your subsystem requirements?</a:t>
+              <a:t>Project Structure</a:t>
             </a:r>
           </a:p>
           <a:p>
@@ -5653,7 +5684,17 @@
             </a:pPr>
             <a:r>
               <a:rPr lang="en-US" dirty="0" smtClean="0"/>
-              <a:t>How are you going to build this? </a:t>
+              <a:t>Project Timeline</a:t>
+            </a:r>
+          </a:p>
+          <a:p>
+            <a:pPr marL="971550" lvl="1" indent="-514350">
+              <a:buFont typeface="+mj-lt"/>
+              <a:buAutoNum type="arabicPeriod"/>
+            </a:pPr>
+            <a:r>
+              <a:rPr lang="en-US" dirty="0" smtClean="0"/>
+              <a:t>4 class periods to work next week:</a:t>
             </a:r>
           </a:p>
           <a:p>
@@ -5661,25 +5702,209 @@
               <a:buFont typeface="+mj-lt"/>
               <a:buAutoNum type="arabicPeriod"/>
             </a:pPr>
+            <a:endParaRPr lang="en-US" dirty="0"/>
+          </a:p>
+        </p:txBody>
+      </p:sp>
+      <p:sp>
+        <p:nvSpPr>
+          <p:cNvPr id="4" name="Rectangle 3"/>
+          <p:cNvSpPr/>
+          <p:nvPr/>
+        </p:nvSpPr>
+        <p:spPr>
+          <a:xfrm>
+            <a:off x="1386349" y="4942911"/>
+            <a:ext cx="2035277" cy="1356852"/>
+          </a:xfrm>
+          <a:prstGeom prst="rect">
+            <a:avLst/>
+          </a:prstGeom>
+        </p:spPr>
+        <p:style>
+          <a:lnRef idx="2">
+            <a:schemeClr val="accent1">
+              <a:shade val="50000"/>
+            </a:schemeClr>
+          </a:lnRef>
+          <a:fillRef idx="1">
+            <a:schemeClr val="accent1"/>
+          </a:fillRef>
+          <a:effectRef idx="0">
+            <a:schemeClr val="accent1"/>
+          </a:effectRef>
+          <a:fontRef idx="minor">
+            <a:schemeClr val="lt1"/>
+          </a:fontRef>
+        </p:style>
+        <p:txBody>
+          <a:bodyPr rtlCol="0" anchor="ctr"/>
+          <a:lstStyle/>
+          <a:p>
+            <a:pPr algn="ctr"/>
             <a:r>
               <a:rPr lang="en-US" dirty="0" smtClean="0"/>
-              <a:t>Do you anticipate any problems building it?</a:t>
-            </a:r>
-          </a:p>
-          <a:p>
-            <a:pPr marL="514350" indent="-514350">
-              <a:buFont typeface="+mj-lt"/>
-              <a:buAutoNum type="arabicPeriod"/>
-            </a:pPr>
-            <a:endParaRPr lang="en-US" dirty="0" smtClean="0"/>
-          </a:p>
-          <a:p>
-            <a:pPr marL="0" indent="0">
-              <a:buNone/>
-            </a:pPr>
+              <a:t>Class 1:</a:t>
+            </a:r>
+          </a:p>
+          <a:p>
+            <a:pPr algn="ctr"/>
             <a:r>
               <a:rPr lang="en-US" dirty="0" smtClean="0"/>
-              <a:t>We’ll be presenting on Thursday / Friday</a:t>
+              <a:t>Build “Initial Conditions”</a:t>
+            </a:r>
+            <a:endParaRPr lang="en-US" dirty="0"/>
+          </a:p>
+        </p:txBody>
+      </p:sp>
+      <p:sp>
+        <p:nvSpPr>
+          <p:cNvPr id="5" name="Rectangle 4"/>
+          <p:cNvSpPr/>
+          <p:nvPr/>
+        </p:nvSpPr>
+        <p:spPr>
+          <a:xfrm>
+            <a:off x="3810001" y="4942911"/>
+            <a:ext cx="2035277" cy="1356852"/>
+          </a:xfrm>
+          <a:prstGeom prst="rect">
+            <a:avLst/>
+          </a:prstGeom>
+        </p:spPr>
+        <p:style>
+          <a:lnRef idx="2">
+            <a:schemeClr val="accent1">
+              <a:shade val="50000"/>
+            </a:schemeClr>
+          </a:lnRef>
+          <a:fillRef idx="1">
+            <a:schemeClr val="accent1"/>
+          </a:fillRef>
+          <a:effectRef idx="0">
+            <a:schemeClr val="accent1"/>
+          </a:effectRef>
+          <a:fontRef idx="minor">
+            <a:schemeClr val="lt1"/>
+          </a:fontRef>
+        </p:style>
+        <p:txBody>
+          <a:bodyPr rtlCol="0" anchor="ctr"/>
+          <a:lstStyle/>
+          <a:p>
+            <a:pPr algn="ctr"/>
+            <a:r>
+              <a:rPr lang="en-US" dirty="0" smtClean="0"/>
+              <a:t>Class 2:</a:t>
+            </a:r>
+          </a:p>
+          <a:p>
+            <a:pPr algn="ctr"/>
+            <a:r>
+              <a:rPr lang="en-US" dirty="0" smtClean="0"/>
+              <a:t>Build “Get Letter” and “Check Letter”</a:t>
+            </a:r>
+            <a:endParaRPr lang="en-US" dirty="0"/>
+          </a:p>
+        </p:txBody>
+      </p:sp>
+      <p:sp>
+        <p:nvSpPr>
+          <p:cNvPr id="6" name="Rectangle 5"/>
+          <p:cNvSpPr/>
+          <p:nvPr/>
+        </p:nvSpPr>
+        <p:spPr>
+          <a:xfrm>
+            <a:off x="6233653" y="4942911"/>
+            <a:ext cx="2035277" cy="1356852"/>
+          </a:xfrm>
+          <a:prstGeom prst="rect">
+            <a:avLst/>
+          </a:prstGeom>
+        </p:spPr>
+        <p:style>
+          <a:lnRef idx="2">
+            <a:schemeClr val="accent1">
+              <a:shade val="50000"/>
+            </a:schemeClr>
+          </a:lnRef>
+          <a:fillRef idx="1">
+            <a:schemeClr val="accent1"/>
+          </a:fillRef>
+          <a:effectRef idx="0">
+            <a:schemeClr val="accent1"/>
+          </a:effectRef>
+          <a:fontRef idx="minor">
+            <a:schemeClr val="lt1"/>
+          </a:fontRef>
+        </p:style>
+        <p:txBody>
+          <a:bodyPr rtlCol="0" anchor="ctr"/>
+          <a:lstStyle/>
+          <a:p>
+            <a:pPr algn="ctr"/>
+            <a:r>
+              <a:rPr lang="en-US" dirty="0" smtClean="0"/>
+              <a:t>Class 3:</a:t>
+            </a:r>
+          </a:p>
+          <a:p>
+            <a:pPr algn="ctr"/>
+            <a:r>
+              <a:rPr lang="en-US" dirty="0" smtClean="0"/>
+              <a:t>Build “Check Win / Lose”</a:t>
+            </a:r>
+            <a:endParaRPr lang="en-US" dirty="0"/>
+          </a:p>
+        </p:txBody>
+      </p:sp>
+      <p:sp>
+        <p:nvSpPr>
+          <p:cNvPr id="7" name="Rectangle 6"/>
+          <p:cNvSpPr/>
+          <p:nvPr/>
+        </p:nvSpPr>
+        <p:spPr>
+          <a:xfrm>
+            <a:off x="8657305" y="4942911"/>
+            <a:ext cx="2035277" cy="1356852"/>
+          </a:xfrm>
+          <a:prstGeom prst="rect">
+            <a:avLst/>
+          </a:prstGeom>
+        </p:spPr>
+        <p:style>
+          <a:lnRef idx="2">
+            <a:schemeClr val="accent1">
+              <a:shade val="50000"/>
+            </a:schemeClr>
+          </a:lnRef>
+          <a:fillRef idx="1">
+            <a:schemeClr val="accent1"/>
+          </a:fillRef>
+          <a:effectRef idx="0">
+            <a:schemeClr val="accent1"/>
+          </a:effectRef>
+          <a:fontRef idx="minor">
+            <a:schemeClr val="lt1"/>
+          </a:fontRef>
+        </p:style>
+        <p:txBody>
+          <a:bodyPr rtlCol="0" anchor="ctr"/>
+          <a:lstStyle/>
+          <a:p>
+            <a:pPr algn="ctr"/>
+            <a:r>
+              <a:rPr lang="en-US" dirty="0" smtClean="0"/>
+              <a:t>Class 4:</a:t>
+            </a:r>
+          </a:p>
+          <a:p>
+            <a:pPr algn="ctr"/>
+            <a:r>
+              <a:rPr lang="en-US" dirty="0" smtClean="0"/>
+              <a:t>Build “Print Information” and Test</a:t>
             </a:r>
             <a:endParaRPr lang="en-US" dirty="0"/>
           </a:p>
@@ -5688,7 +5913,7 @@
     </p:spTree>
     <p:extLst>
       <p:ext uri="{BB962C8B-B14F-4D97-AF65-F5344CB8AC3E}">
-        <p14:creationId xmlns:p14="http://schemas.microsoft.com/office/powerpoint/2010/main" val="251307178"/>
+        <p14:creationId xmlns:p14="http://schemas.microsoft.com/office/powerpoint/2010/main" val="806334085"/>
       </p:ext>
     </p:extLst>
   </p:cSld>
@@ -5849,27 +6074,14 @@
           <a:p>
             <a:r>
               <a:rPr lang="en-US" dirty="0" smtClean="0"/>
-              <a:t>2-3</a:t>
-            </a:r>
+              <a:t>2-3 person groups</a:t>
+            </a:r>
+          </a:p>
+          <a:p>
             <a:r>
               <a:rPr lang="en-US" dirty="0" smtClean="0"/>
-              <a:t> </a:t>
-            </a:r>
-            <a:r>
-              <a:rPr lang="en-US" dirty="0" smtClean="0"/>
-              <a:t>person groups</a:t>
-            </a:r>
-          </a:p>
-          <a:p>
-            <a:r>
-              <a:rPr lang="en-US" dirty="0" smtClean="0"/>
-              <a:t>Each group must have a different </a:t>
-            </a:r>
-            <a:r>
-              <a:rPr lang="en-US" dirty="0" smtClean="0"/>
-              <a:t>project</a:t>
-            </a:r>
-            <a:endParaRPr lang="en-US" dirty="0" smtClean="0"/>
+              <a:t>Each group must have a different project</a:t>
+            </a:r>
           </a:p>
         </p:txBody>
       </p:sp>
@@ -5950,28 +6162,15 @@
           <a:p>
             <a:r>
               <a:rPr lang="en-US" sz="3200" dirty="0" smtClean="0"/>
-              <a:t>Example </a:t>
-            </a:r>
-            <a:r>
-              <a:rPr lang="en-US" sz="3200" dirty="0" smtClean="0"/>
-              <a:t>Python Project </a:t>
-            </a:r>
-            <a:r>
-              <a:rPr lang="en-US" sz="3200" dirty="0" smtClean="0"/>
-              <a:t>Ideas:</a:t>
+              <a:t>Example Python Project Ideas:</a:t>
             </a:r>
           </a:p>
           <a:p>
             <a:pPr lvl="1"/>
             <a:r>
               <a:rPr lang="en-US" sz="2800" dirty="0" smtClean="0"/>
-              <a:t>Tic Tac Toe - </a:t>
-            </a:r>
-            <a:r>
-              <a:rPr lang="en-US" sz="2800" dirty="0" smtClean="0"/>
-              <a:t>game</a:t>
-            </a:r>
-            <a:endParaRPr lang="en-US" sz="2800" dirty="0" smtClean="0"/>
+              <a:t>Tic Tac Toe - game</a:t>
+            </a:r>
           </a:p>
           <a:p>
             <a:pPr lvl="1"/>
@@ -5985,13 +6184,8 @@
             </a:r>
             <a:r>
               <a:rPr lang="en-US" sz="2800" dirty="0" smtClean="0"/>
-              <a:t> game + computer </a:t>
-            </a:r>
-            <a:r>
-              <a:rPr lang="en-US" sz="2800" dirty="0" smtClean="0"/>
-              <a:t>player</a:t>
-            </a:r>
-            <a:endParaRPr lang="en-US" sz="2800" dirty="0" smtClean="0"/>
+              <a:t> game + computer player</a:t>
+            </a:r>
           </a:p>
           <a:p>
             <a:pPr lvl="1"/>
@@ -6017,7 +6211,7 @@
           <a:p>
             <a:pPr lvl="1"/>
             <a:r>
-              <a:rPr lang="en-US" sz="2800" smtClean="0"/>
+              <a:rPr lang="en-US" sz="2800" dirty="0" smtClean="0"/>
               <a:t>Text analysis </a:t>
             </a:r>
             <a:endParaRPr lang="en-US" sz="3200" dirty="0" smtClean="0"/>
@@ -6138,13 +6332,8 @@
             <a:pPr lvl="1"/>
             <a:r>
               <a:rPr lang="en-US" sz="3200" dirty="0" smtClean="0"/>
-              <a:t>“This system will allow </a:t>
-            </a:r>
-            <a:r>
-              <a:rPr lang="en-US" sz="3200" dirty="0" smtClean="0"/>
-              <a:t>one user to play the game hangman”</a:t>
-            </a:r>
-            <a:endParaRPr lang="en-US" sz="3200" dirty="0" smtClean="0"/>
+              <a:t>“This system will allow one user to play the game hangman”</a:t>
+            </a:r>
           </a:p>
           <a:p>
             <a:pPr marL="514350" indent="-514350">
